--- a/Template.pptx
+++ b/Template.pptx
@@ -5,7 +5,7 @@
     <p:sldMasterId id="2147483648" r:id="rId1"/>
   </p:sldMasterIdLst>
   <p:notesMasterIdLst>
-    <p:notesMasterId r:id="rId38"/>
+    <p:notesMasterId r:id="rId40"/>
   </p:notesMasterIdLst>
   <p:sldIdLst>
     <p:sldId id="314" r:id="rId2"/>
@@ -44,6 +44,8 @@
     <p:sldId id="347" r:id="rId35"/>
     <p:sldId id="348" r:id="rId36"/>
     <p:sldId id="349" r:id="rId37"/>
+    <p:sldId id="350" r:id="rId38"/>
+    <p:sldId id="351" r:id="rId39"/>
   </p:sldIdLst>
   <p:sldSz cx="9601200" cy="7419975"/>
   <p:notesSz cx="7315200" cy="9601200"/>
@@ -3932,10 +3934,10 @@
       </p:sp>
       <p:pic>
         <p:nvPicPr>
-          <p:cNvPr id="1026" name="Picture 2" descr="Drifters Central - Drifters Baseball">
-            <a:extLst>
-              <a:ext uri="{FF2B5EF4-FFF2-40B4-BE49-F238E27FC236}">
-                <a16:creationId xmlns:a16="http://schemas.microsoft.com/office/drawing/2014/main" id="{71DE0A74-EC67-5648-CC1C-502F504CE6B6}"/>
+          <p:cNvPr id="1026" name="Picture 2" descr="Victoria HarbourCats - Teams">
+            <a:extLst>
+              <a:ext uri="{FF2B5EF4-FFF2-40B4-BE49-F238E27FC236}">
+                <a16:creationId xmlns:a16="http://schemas.microsoft.com/office/drawing/2014/main" id="{E2F00836-6828-5E61-D3DE-1B13DAC4C3A0}"/>
               </a:ext>
             </a:extLst>
           </p:cNvPr>
@@ -3945,7 +3947,7 @@
           <p:nvPr/>
         </p:nvPicPr>
         <p:blipFill>
-          <a:blip r:embed="rId3" cstate="print">
+          <a:blip r:embed="rId3">
             <a:extLst>
               <a:ext uri="{28A0092B-C50C-407E-A947-70E740481C1C}">
                 <a14:useLocalDpi xmlns:a14="http://schemas.microsoft.com/office/drawing/2010/main" val="0"/>
@@ -3959,8 +3961,8 @@
         </p:blipFill>
         <p:spPr bwMode="auto">
           <a:xfrm>
-            <a:off x="4383351" y="1370752"/>
-            <a:ext cx="832551" cy="654255"/>
+            <a:off x="4363102" y="1157826"/>
+            <a:ext cx="874996" cy="874996"/>
           </a:xfrm>
           <a:prstGeom prst="rect">
             <a:avLst/>
@@ -4562,10 +4564,10 @@
       </p:sp>
       <p:pic>
         <p:nvPicPr>
-          <p:cNvPr id="1026" name="Picture 2" descr="Drifters Central - Drifters Baseball">
-            <a:extLst>
-              <a:ext uri="{FF2B5EF4-FFF2-40B4-BE49-F238E27FC236}">
-                <a16:creationId xmlns:a16="http://schemas.microsoft.com/office/drawing/2014/main" id="{71DE0A74-EC67-5648-CC1C-502F504CE6B6}"/>
+          <p:cNvPr id="1026" name="Picture 2" descr="Victoria HarbourCats - Teams">
+            <a:extLst>
+              <a:ext uri="{FF2B5EF4-FFF2-40B4-BE49-F238E27FC236}">
+                <a16:creationId xmlns:a16="http://schemas.microsoft.com/office/drawing/2014/main" id="{E2F00836-6828-5E61-D3DE-1B13DAC4C3A0}"/>
               </a:ext>
             </a:extLst>
           </p:cNvPr>
@@ -4575,7 +4577,7 @@
           <p:nvPr/>
         </p:nvPicPr>
         <p:blipFill>
-          <a:blip r:embed="rId3" cstate="print">
+          <a:blip r:embed="rId3">
             <a:extLst>
               <a:ext uri="{28A0092B-C50C-407E-A947-70E740481C1C}">
                 <a14:useLocalDpi xmlns:a14="http://schemas.microsoft.com/office/drawing/2010/main" val="0"/>
@@ -4589,8 +4591,8 @@
         </p:blipFill>
         <p:spPr bwMode="auto">
           <a:xfrm>
-            <a:off x="4383351" y="1370752"/>
-            <a:ext cx="832551" cy="654255"/>
+            <a:off x="4363102" y="1157826"/>
+            <a:ext cx="874996" cy="874996"/>
           </a:xfrm>
           <a:prstGeom prst="rect">
             <a:avLst/>
@@ -4610,7 +4612,7 @@
     </p:spTree>
     <p:extLst>
       <p:ext uri="{BB962C8B-B14F-4D97-AF65-F5344CB8AC3E}">
-        <p14:creationId xmlns:p14="http://schemas.microsoft.com/office/powerpoint/2010/main" val="3355642808"/>
+        <p14:creationId xmlns:p14="http://schemas.microsoft.com/office/powerpoint/2010/main" val="2060252379"/>
       </p:ext>
     </p:extLst>
   </p:cSld>
@@ -5192,10 +5194,10 @@
       </p:sp>
       <p:pic>
         <p:nvPicPr>
-          <p:cNvPr id="1026" name="Picture 2" descr="Drifters Central - Drifters Baseball">
-            <a:extLst>
-              <a:ext uri="{FF2B5EF4-FFF2-40B4-BE49-F238E27FC236}">
-                <a16:creationId xmlns:a16="http://schemas.microsoft.com/office/drawing/2014/main" id="{71DE0A74-EC67-5648-CC1C-502F504CE6B6}"/>
+          <p:cNvPr id="1026" name="Picture 2" descr="Victoria HarbourCats - Teams">
+            <a:extLst>
+              <a:ext uri="{FF2B5EF4-FFF2-40B4-BE49-F238E27FC236}">
+                <a16:creationId xmlns:a16="http://schemas.microsoft.com/office/drawing/2014/main" id="{E2F00836-6828-5E61-D3DE-1B13DAC4C3A0}"/>
               </a:ext>
             </a:extLst>
           </p:cNvPr>
@@ -5205,7 +5207,7 @@
           <p:nvPr/>
         </p:nvPicPr>
         <p:blipFill>
-          <a:blip r:embed="rId3" cstate="print">
+          <a:blip r:embed="rId3">
             <a:extLst>
               <a:ext uri="{28A0092B-C50C-407E-A947-70E740481C1C}">
                 <a14:useLocalDpi xmlns:a14="http://schemas.microsoft.com/office/drawing/2010/main" val="0"/>
@@ -5219,8 +5221,8 @@
         </p:blipFill>
         <p:spPr bwMode="auto">
           <a:xfrm>
-            <a:off x="4383351" y="1370752"/>
-            <a:ext cx="832551" cy="654255"/>
+            <a:off x="4363102" y="1157826"/>
+            <a:ext cx="874996" cy="874996"/>
           </a:xfrm>
           <a:prstGeom prst="rect">
             <a:avLst/>
@@ -5240,7 +5242,7 @@
     </p:spTree>
     <p:extLst>
       <p:ext uri="{BB962C8B-B14F-4D97-AF65-F5344CB8AC3E}">
-        <p14:creationId xmlns:p14="http://schemas.microsoft.com/office/powerpoint/2010/main" val="3685854181"/>
+        <p14:creationId xmlns:p14="http://schemas.microsoft.com/office/powerpoint/2010/main" val="1136942303"/>
       </p:ext>
     </p:extLst>
   </p:cSld>
@@ -5822,10 +5824,10 @@
       </p:sp>
       <p:pic>
         <p:nvPicPr>
-          <p:cNvPr id="1026" name="Picture 2" descr="Drifters Central - Drifters Baseball">
-            <a:extLst>
-              <a:ext uri="{FF2B5EF4-FFF2-40B4-BE49-F238E27FC236}">
-                <a16:creationId xmlns:a16="http://schemas.microsoft.com/office/drawing/2014/main" id="{71DE0A74-EC67-5648-CC1C-502F504CE6B6}"/>
+          <p:cNvPr id="1026" name="Picture 2" descr="Victoria HarbourCats - Teams">
+            <a:extLst>
+              <a:ext uri="{FF2B5EF4-FFF2-40B4-BE49-F238E27FC236}">
+                <a16:creationId xmlns:a16="http://schemas.microsoft.com/office/drawing/2014/main" id="{E2F00836-6828-5E61-D3DE-1B13DAC4C3A0}"/>
               </a:ext>
             </a:extLst>
           </p:cNvPr>
@@ -5835,7 +5837,7 @@
           <p:nvPr/>
         </p:nvPicPr>
         <p:blipFill>
-          <a:blip r:embed="rId3" cstate="print">
+          <a:blip r:embed="rId3">
             <a:extLst>
               <a:ext uri="{28A0092B-C50C-407E-A947-70E740481C1C}">
                 <a14:useLocalDpi xmlns:a14="http://schemas.microsoft.com/office/drawing/2010/main" val="0"/>
@@ -5849,8 +5851,8 @@
         </p:blipFill>
         <p:spPr bwMode="auto">
           <a:xfrm>
-            <a:off x="4383351" y="1370752"/>
-            <a:ext cx="832551" cy="654255"/>
+            <a:off x="4363102" y="1157826"/>
+            <a:ext cx="874996" cy="874996"/>
           </a:xfrm>
           <a:prstGeom prst="rect">
             <a:avLst/>
@@ -5870,7 +5872,7 @@
     </p:spTree>
     <p:extLst>
       <p:ext uri="{BB962C8B-B14F-4D97-AF65-F5344CB8AC3E}">
-        <p14:creationId xmlns:p14="http://schemas.microsoft.com/office/powerpoint/2010/main" val="1247501026"/>
+        <p14:creationId xmlns:p14="http://schemas.microsoft.com/office/powerpoint/2010/main" val="284138182"/>
       </p:ext>
     </p:extLst>
   </p:cSld>
@@ -6452,10 +6454,10 @@
       </p:sp>
       <p:pic>
         <p:nvPicPr>
-          <p:cNvPr id="1026" name="Picture 2" descr="Drifters Central - Drifters Baseball">
-            <a:extLst>
-              <a:ext uri="{FF2B5EF4-FFF2-40B4-BE49-F238E27FC236}">
-                <a16:creationId xmlns:a16="http://schemas.microsoft.com/office/drawing/2014/main" id="{71DE0A74-EC67-5648-CC1C-502F504CE6B6}"/>
+          <p:cNvPr id="1026" name="Picture 2" descr="Victoria HarbourCats - Teams">
+            <a:extLst>
+              <a:ext uri="{FF2B5EF4-FFF2-40B4-BE49-F238E27FC236}">
+                <a16:creationId xmlns:a16="http://schemas.microsoft.com/office/drawing/2014/main" id="{E2F00836-6828-5E61-D3DE-1B13DAC4C3A0}"/>
               </a:ext>
             </a:extLst>
           </p:cNvPr>
@@ -6465,7 +6467,7 @@
           <p:nvPr/>
         </p:nvPicPr>
         <p:blipFill>
-          <a:blip r:embed="rId3" cstate="print">
+          <a:blip r:embed="rId3">
             <a:extLst>
               <a:ext uri="{28A0092B-C50C-407E-A947-70E740481C1C}">
                 <a14:useLocalDpi xmlns:a14="http://schemas.microsoft.com/office/drawing/2010/main" val="0"/>
@@ -6479,8 +6481,8 @@
         </p:blipFill>
         <p:spPr bwMode="auto">
           <a:xfrm>
-            <a:off x="4383351" y="1370752"/>
-            <a:ext cx="832551" cy="654255"/>
+            <a:off x="4363102" y="1157826"/>
+            <a:ext cx="874996" cy="874996"/>
           </a:xfrm>
           <a:prstGeom prst="rect">
             <a:avLst/>
@@ -6500,7 +6502,7 @@
     </p:spTree>
     <p:extLst>
       <p:ext uri="{BB962C8B-B14F-4D97-AF65-F5344CB8AC3E}">
-        <p14:creationId xmlns:p14="http://schemas.microsoft.com/office/powerpoint/2010/main" val="2578831171"/>
+        <p14:creationId xmlns:p14="http://schemas.microsoft.com/office/powerpoint/2010/main" val="1419861142"/>
       </p:ext>
     </p:extLst>
   </p:cSld>
@@ -7082,10 +7084,10 @@
       </p:sp>
       <p:pic>
         <p:nvPicPr>
-          <p:cNvPr id="1026" name="Picture 2" descr="Drifters Central - Drifters Baseball">
-            <a:extLst>
-              <a:ext uri="{FF2B5EF4-FFF2-40B4-BE49-F238E27FC236}">
-                <a16:creationId xmlns:a16="http://schemas.microsoft.com/office/drawing/2014/main" id="{71DE0A74-EC67-5648-CC1C-502F504CE6B6}"/>
+          <p:cNvPr id="1026" name="Picture 2" descr="Victoria HarbourCats - Teams">
+            <a:extLst>
+              <a:ext uri="{FF2B5EF4-FFF2-40B4-BE49-F238E27FC236}">
+                <a16:creationId xmlns:a16="http://schemas.microsoft.com/office/drawing/2014/main" id="{E2F00836-6828-5E61-D3DE-1B13DAC4C3A0}"/>
               </a:ext>
             </a:extLst>
           </p:cNvPr>
@@ -7095,7 +7097,7 @@
           <p:nvPr/>
         </p:nvPicPr>
         <p:blipFill>
-          <a:blip r:embed="rId3" cstate="print">
+          <a:blip r:embed="rId3">
             <a:extLst>
               <a:ext uri="{28A0092B-C50C-407E-A947-70E740481C1C}">
                 <a14:useLocalDpi xmlns:a14="http://schemas.microsoft.com/office/drawing/2010/main" val="0"/>
@@ -7109,8 +7111,8 @@
         </p:blipFill>
         <p:spPr bwMode="auto">
           <a:xfrm>
-            <a:off x="4383351" y="1370752"/>
-            <a:ext cx="832551" cy="654255"/>
+            <a:off x="4363102" y="1157826"/>
+            <a:ext cx="874996" cy="874996"/>
           </a:xfrm>
           <a:prstGeom prst="rect">
             <a:avLst/>
@@ -7130,7 +7132,7 @@
     </p:spTree>
     <p:extLst>
       <p:ext uri="{BB962C8B-B14F-4D97-AF65-F5344CB8AC3E}">
-        <p14:creationId xmlns:p14="http://schemas.microsoft.com/office/powerpoint/2010/main" val="3856064661"/>
+        <p14:creationId xmlns:p14="http://schemas.microsoft.com/office/powerpoint/2010/main" val="1476549789"/>
       </p:ext>
     </p:extLst>
   </p:cSld>
@@ -7712,10 +7714,10 @@
       </p:sp>
       <p:pic>
         <p:nvPicPr>
-          <p:cNvPr id="1026" name="Picture 2" descr="Drifters Central - Drifters Baseball">
-            <a:extLst>
-              <a:ext uri="{FF2B5EF4-FFF2-40B4-BE49-F238E27FC236}">
-                <a16:creationId xmlns:a16="http://schemas.microsoft.com/office/drawing/2014/main" id="{71DE0A74-EC67-5648-CC1C-502F504CE6B6}"/>
+          <p:cNvPr id="1026" name="Picture 2" descr="Victoria HarbourCats - Teams">
+            <a:extLst>
+              <a:ext uri="{FF2B5EF4-FFF2-40B4-BE49-F238E27FC236}">
+                <a16:creationId xmlns:a16="http://schemas.microsoft.com/office/drawing/2014/main" id="{E2F00836-6828-5E61-D3DE-1B13DAC4C3A0}"/>
               </a:ext>
             </a:extLst>
           </p:cNvPr>
@@ -7725,7 +7727,7 @@
           <p:nvPr/>
         </p:nvPicPr>
         <p:blipFill>
-          <a:blip r:embed="rId3" cstate="print">
+          <a:blip r:embed="rId3">
             <a:extLst>
               <a:ext uri="{28A0092B-C50C-407E-A947-70E740481C1C}">
                 <a14:useLocalDpi xmlns:a14="http://schemas.microsoft.com/office/drawing/2010/main" val="0"/>
@@ -7739,8 +7741,8 @@
         </p:blipFill>
         <p:spPr bwMode="auto">
           <a:xfrm>
-            <a:off x="4383351" y="1370752"/>
-            <a:ext cx="832551" cy="654255"/>
+            <a:off x="4363102" y="1157826"/>
+            <a:ext cx="874996" cy="874996"/>
           </a:xfrm>
           <a:prstGeom prst="rect">
             <a:avLst/>
@@ -7760,7 +7762,7 @@
     </p:spTree>
     <p:extLst>
       <p:ext uri="{BB962C8B-B14F-4D97-AF65-F5344CB8AC3E}">
-        <p14:creationId xmlns:p14="http://schemas.microsoft.com/office/powerpoint/2010/main" val="1490002830"/>
+        <p14:creationId xmlns:p14="http://schemas.microsoft.com/office/powerpoint/2010/main" val="1217510964"/>
       </p:ext>
     </p:extLst>
   </p:cSld>
@@ -8342,10 +8344,10 @@
       </p:sp>
       <p:pic>
         <p:nvPicPr>
-          <p:cNvPr id="1026" name="Picture 2" descr="Drifters Central - Drifters Baseball">
-            <a:extLst>
-              <a:ext uri="{FF2B5EF4-FFF2-40B4-BE49-F238E27FC236}">
-                <a16:creationId xmlns:a16="http://schemas.microsoft.com/office/drawing/2014/main" id="{71DE0A74-EC67-5648-CC1C-502F504CE6B6}"/>
+          <p:cNvPr id="1026" name="Picture 2" descr="Victoria HarbourCats - Teams">
+            <a:extLst>
+              <a:ext uri="{FF2B5EF4-FFF2-40B4-BE49-F238E27FC236}">
+                <a16:creationId xmlns:a16="http://schemas.microsoft.com/office/drawing/2014/main" id="{E2F00836-6828-5E61-D3DE-1B13DAC4C3A0}"/>
               </a:ext>
             </a:extLst>
           </p:cNvPr>
@@ -8355,7 +8357,7 @@
           <p:nvPr/>
         </p:nvPicPr>
         <p:blipFill>
-          <a:blip r:embed="rId3" cstate="print">
+          <a:blip r:embed="rId3">
             <a:extLst>
               <a:ext uri="{28A0092B-C50C-407E-A947-70E740481C1C}">
                 <a14:useLocalDpi xmlns:a14="http://schemas.microsoft.com/office/drawing/2010/main" val="0"/>
@@ -8369,8 +8371,8 @@
         </p:blipFill>
         <p:spPr bwMode="auto">
           <a:xfrm>
-            <a:off x="4383351" y="1370752"/>
-            <a:ext cx="832551" cy="654255"/>
+            <a:off x="4363102" y="1157826"/>
+            <a:ext cx="874996" cy="874996"/>
           </a:xfrm>
           <a:prstGeom prst="rect">
             <a:avLst/>
@@ -8390,7 +8392,7 @@
     </p:spTree>
     <p:extLst>
       <p:ext uri="{BB962C8B-B14F-4D97-AF65-F5344CB8AC3E}">
-        <p14:creationId xmlns:p14="http://schemas.microsoft.com/office/powerpoint/2010/main" val="3191495243"/>
+        <p14:creationId xmlns:p14="http://schemas.microsoft.com/office/powerpoint/2010/main" val="2511478887"/>
       </p:ext>
     </p:extLst>
   </p:cSld>
@@ -8972,10 +8974,10 @@
       </p:sp>
       <p:pic>
         <p:nvPicPr>
-          <p:cNvPr id="1026" name="Picture 2" descr="Drifters Central - Drifters Baseball">
-            <a:extLst>
-              <a:ext uri="{FF2B5EF4-FFF2-40B4-BE49-F238E27FC236}">
-                <a16:creationId xmlns:a16="http://schemas.microsoft.com/office/drawing/2014/main" id="{71DE0A74-EC67-5648-CC1C-502F504CE6B6}"/>
+          <p:cNvPr id="1026" name="Picture 2" descr="Victoria HarbourCats - Teams">
+            <a:extLst>
+              <a:ext uri="{FF2B5EF4-FFF2-40B4-BE49-F238E27FC236}">
+                <a16:creationId xmlns:a16="http://schemas.microsoft.com/office/drawing/2014/main" id="{E2F00836-6828-5E61-D3DE-1B13DAC4C3A0}"/>
               </a:ext>
             </a:extLst>
           </p:cNvPr>
@@ -8985,7 +8987,7 @@
           <p:nvPr/>
         </p:nvPicPr>
         <p:blipFill>
-          <a:blip r:embed="rId3" cstate="print">
+          <a:blip r:embed="rId3">
             <a:extLst>
               <a:ext uri="{28A0092B-C50C-407E-A947-70E740481C1C}">
                 <a14:useLocalDpi xmlns:a14="http://schemas.microsoft.com/office/drawing/2010/main" val="0"/>
@@ -8999,8 +9001,8 @@
         </p:blipFill>
         <p:spPr bwMode="auto">
           <a:xfrm>
-            <a:off x="4383351" y="1370752"/>
-            <a:ext cx="832551" cy="654255"/>
+            <a:off x="4363102" y="1157826"/>
+            <a:ext cx="874996" cy="874996"/>
           </a:xfrm>
           <a:prstGeom prst="rect">
             <a:avLst/>
@@ -9020,7 +9022,7 @@
     </p:spTree>
     <p:extLst>
       <p:ext uri="{BB962C8B-B14F-4D97-AF65-F5344CB8AC3E}">
-        <p14:creationId xmlns:p14="http://schemas.microsoft.com/office/powerpoint/2010/main" val="617348855"/>
+        <p14:creationId xmlns:p14="http://schemas.microsoft.com/office/powerpoint/2010/main" val="3817216903"/>
       </p:ext>
     </p:extLst>
   </p:cSld>
@@ -9602,10 +9604,10 @@
       </p:sp>
       <p:pic>
         <p:nvPicPr>
-          <p:cNvPr id="1026" name="Picture 2" descr="Drifters Central - Drifters Baseball">
-            <a:extLst>
-              <a:ext uri="{FF2B5EF4-FFF2-40B4-BE49-F238E27FC236}">
-                <a16:creationId xmlns:a16="http://schemas.microsoft.com/office/drawing/2014/main" id="{71DE0A74-EC67-5648-CC1C-502F504CE6B6}"/>
+          <p:cNvPr id="1026" name="Picture 2" descr="Victoria HarbourCats - Teams">
+            <a:extLst>
+              <a:ext uri="{FF2B5EF4-FFF2-40B4-BE49-F238E27FC236}">
+                <a16:creationId xmlns:a16="http://schemas.microsoft.com/office/drawing/2014/main" id="{E2F00836-6828-5E61-D3DE-1B13DAC4C3A0}"/>
               </a:ext>
             </a:extLst>
           </p:cNvPr>
@@ -9615,7 +9617,7 @@
           <p:nvPr/>
         </p:nvPicPr>
         <p:blipFill>
-          <a:blip r:embed="rId3" cstate="print">
+          <a:blip r:embed="rId3">
             <a:extLst>
               <a:ext uri="{28A0092B-C50C-407E-A947-70E740481C1C}">
                 <a14:useLocalDpi xmlns:a14="http://schemas.microsoft.com/office/drawing/2010/main" val="0"/>
@@ -9629,8 +9631,8 @@
         </p:blipFill>
         <p:spPr bwMode="auto">
           <a:xfrm>
-            <a:off x="4383351" y="1370752"/>
-            <a:ext cx="832551" cy="654255"/>
+            <a:off x="4363102" y="1157826"/>
+            <a:ext cx="874996" cy="874996"/>
           </a:xfrm>
           <a:prstGeom prst="rect">
             <a:avLst/>
@@ -9650,7 +9652,7 @@
     </p:spTree>
     <p:extLst>
       <p:ext uri="{BB962C8B-B14F-4D97-AF65-F5344CB8AC3E}">
-        <p14:creationId xmlns:p14="http://schemas.microsoft.com/office/powerpoint/2010/main" val="1791690595"/>
+        <p14:creationId xmlns:p14="http://schemas.microsoft.com/office/powerpoint/2010/main" val="804361150"/>
       </p:ext>
     </p:extLst>
   </p:cSld>
@@ -10232,10 +10234,10 @@
       </p:sp>
       <p:pic>
         <p:nvPicPr>
-          <p:cNvPr id="1026" name="Picture 2" descr="Drifters Central - Drifters Baseball">
-            <a:extLst>
-              <a:ext uri="{FF2B5EF4-FFF2-40B4-BE49-F238E27FC236}">
-                <a16:creationId xmlns:a16="http://schemas.microsoft.com/office/drawing/2014/main" id="{71DE0A74-EC67-5648-CC1C-502F504CE6B6}"/>
+          <p:cNvPr id="1026" name="Picture 2" descr="Victoria HarbourCats - Teams">
+            <a:extLst>
+              <a:ext uri="{FF2B5EF4-FFF2-40B4-BE49-F238E27FC236}">
+                <a16:creationId xmlns:a16="http://schemas.microsoft.com/office/drawing/2014/main" id="{E2F00836-6828-5E61-D3DE-1B13DAC4C3A0}"/>
               </a:ext>
             </a:extLst>
           </p:cNvPr>
@@ -10245,7 +10247,7 @@
           <p:nvPr/>
         </p:nvPicPr>
         <p:blipFill>
-          <a:blip r:embed="rId3" cstate="print">
+          <a:blip r:embed="rId3">
             <a:extLst>
               <a:ext uri="{28A0092B-C50C-407E-A947-70E740481C1C}">
                 <a14:useLocalDpi xmlns:a14="http://schemas.microsoft.com/office/drawing/2010/main" val="0"/>
@@ -10259,8 +10261,8 @@
         </p:blipFill>
         <p:spPr bwMode="auto">
           <a:xfrm>
-            <a:off x="4383351" y="1370752"/>
-            <a:ext cx="832551" cy="654255"/>
+            <a:off x="4363102" y="1157826"/>
+            <a:ext cx="874996" cy="874996"/>
           </a:xfrm>
           <a:prstGeom prst="rect">
             <a:avLst/>
@@ -10280,7 +10282,7 @@
     </p:spTree>
     <p:extLst>
       <p:ext uri="{BB962C8B-B14F-4D97-AF65-F5344CB8AC3E}">
-        <p14:creationId xmlns:p14="http://schemas.microsoft.com/office/powerpoint/2010/main" val="2839694920"/>
+        <p14:creationId xmlns:p14="http://schemas.microsoft.com/office/powerpoint/2010/main" val="2563492725"/>
       </p:ext>
     </p:extLst>
   </p:cSld>
@@ -10862,10 +10864,10 @@
       </p:sp>
       <p:pic>
         <p:nvPicPr>
-          <p:cNvPr id="1026" name="Picture 2" descr="Drifters Central - Drifters Baseball">
-            <a:extLst>
-              <a:ext uri="{FF2B5EF4-FFF2-40B4-BE49-F238E27FC236}">
-                <a16:creationId xmlns:a16="http://schemas.microsoft.com/office/drawing/2014/main" id="{71DE0A74-EC67-5648-CC1C-502F504CE6B6}"/>
+          <p:cNvPr id="1026" name="Picture 2" descr="Victoria HarbourCats - Teams">
+            <a:extLst>
+              <a:ext uri="{FF2B5EF4-FFF2-40B4-BE49-F238E27FC236}">
+                <a16:creationId xmlns:a16="http://schemas.microsoft.com/office/drawing/2014/main" id="{E2F00836-6828-5E61-D3DE-1B13DAC4C3A0}"/>
               </a:ext>
             </a:extLst>
           </p:cNvPr>
@@ -10875,7 +10877,7 @@
           <p:nvPr/>
         </p:nvPicPr>
         <p:blipFill>
-          <a:blip r:embed="rId3" cstate="print">
+          <a:blip r:embed="rId3">
             <a:extLst>
               <a:ext uri="{28A0092B-C50C-407E-A947-70E740481C1C}">
                 <a14:useLocalDpi xmlns:a14="http://schemas.microsoft.com/office/drawing/2010/main" val="0"/>
@@ -10889,8 +10891,8 @@
         </p:blipFill>
         <p:spPr bwMode="auto">
           <a:xfrm>
-            <a:off x="4383351" y="1370752"/>
-            <a:ext cx="832551" cy="654255"/>
+            <a:off x="4363102" y="1157826"/>
+            <a:ext cx="874996" cy="874996"/>
           </a:xfrm>
           <a:prstGeom prst="rect">
             <a:avLst/>
@@ -10910,7 +10912,7 @@
     </p:spTree>
     <p:extLst>
       <p:ext uri="{BB962C8B-B14F-4D97-AF65-F5344CB8AC3E}">
-        <p14:creationId xmlns:p14="http://schemas.microsoft.com/office/powerpoint/2010/main" val="1950648489"/>
+        <p14:creationId xmlns:p14="http://schemas.microsoft.com/office/powerpoint/2010/main" val="1659016393"/>
       </p:ext>
     </p:extLst>
   </p:cSld>
@@ -11492,10 +11494,10 @@
       </p:sp>
       <p:pic>
         <p:nvPicPr>
-          <p:cNvPr id="1026" name="Picture 2" descr="Drifters Central - Drifters Baseball">
-            <a:extLst>
-              <a:ext uri="{FF2B5EF4-FFF2-40B4-BE49-F238E27FC236}">
-                <a16:creationId xmlns:a16="http://schemas.microsoft.com/office/drawing/2014/main" id="{71DE0A74-EC67-5648-CC1C-502F504CE6B6}"/>
+          <p:cNvPr id="1026" name="Picture 2" descr="Victoria HarbourCats - Teams">
+            <a:extLst>
+              <a:ext uri="{FF2B5EF4-FFF2-40B4-BE49-F238E27FC236}">
+                <a16:creationId xmlns:a16="http://schemas.microsoft.com/office/drawing/2014/main" id="{E2F00836-6828-5E61-D3DE-1B13DAC4C3A0}"/>
               </a:ext>
             </a:extLst>
           </p:cNvPr>
@@ -11505,7 +11507,7 @@
           <p:nvPr/>
         </p:nvPicPr>
         <p:blipFill>
-          <a:blip r:embed="rId3" cstate="print">
+          <a:blip r:embed="rId3">
             <a:extLst>
               <a:ext uri="{28A0092B-C50C-407E-A947-70E740481C1C}">
                 <a14:useLocalDpi xmlns:a14="http://schemas.microsoft.com/office/drawing/2010/main" val="0"/>
@@ -11519,8 +11521,8 @@
         </p:blipFill>
         <p:spPr bwMode="auto">
           <a:xfrm>
-            <a:off x="4383351" y="1370752"/>
-            <a:ext cx="832551" cy="654255"/>
+            <a:off x="4363102" y="1157826"/>
+            <a:ext cx="874996" cy="874996"/>
           </a:xfrm>
           <a:prstGeom prst="rect">
             <a:avLst/>
@@ -11540,7 +11542,7 @@
     </p:spTree>
     <p:extLst>
       <p:ext uri="{BB962C8B-B14F-4D97-AF65-F5344CB8AC3E}">
-        <p14:creationId xmlns:p14="http://schemas.microsoft.com/office/powerpoint/2010/main" val="3291927072"/>
+        <p14:creationId xmlns:p14="http://schemas.microsoft.com/office/powerpoint/2010/main" val="751737873"/>
       </p:ext>
     </p:extLst>
   </p:cSld>
@@ -12122,10 +12124,10 @@
       </p:sp>
       <p:pic>
         <p:nvPicPr>
-          <p:cNvPr id="1026" name="Picture 2" descr="Drifters Central - Drifters Baseball">
-            <a:extLst>
-              <a:ext uri="{FF2B5EF4-FFF2-40B4-BE49-F238E27FC236}">
-                <a16:creationId xmlns:a16="http://schemas.microsoft.com/office/drawing/2014/main" id="{71DE0A74-EC67-5648-CC1C-502F504CE6B6}"/>
+          <p:cNvPr id="1026" name="Picture 2" descr="Victoria HarbourCats - Teams">
+            <a:extLst>
+              <a:ext uri="{FF2B5EF4-FFF2-40B4-BE49-F238E27FC236}">
+                <a16:creationId xmlns:a16="http://schemas.microsoft.com/office/drawing/2014/main" id="{E2F00836-6828-5E61-D3DE-1B13DAC4C3A0}"/>
               </a:ext>
             </a:extLst>
           </p:cNvPr>
@@ -12135,7 +12137,7 @@
           <p:nvPr/>
         </p:nvPicPr>
         <p:blipFill>
-          <a:blip r:embed="rId3" cstate="print">
+          <a:blip r:embed="rId3">
             <a:extLst>
               <a:ext uri="{28A0092B-C50C-407E-A947-70E740481C1C}">
                 <a14:useLocalDpi xmlns:a14="http://schemas.microsoft.com/office/drawing/2010/main" val="0"/>
@@ -12149,8 +12151,8 @@
         </p:blipFill>
         <p:spPr bwMode="auto">
           <a:xfrm>
-            <a:off x="4383351" y="1370752"/>
-            <a:ext cx="832551" cy="654255"/>
+            <a:off x="4363102" y="1157826"/>
+            <a:ext cx="874996" cy="874996"/>
           </a:xfrm>
           <a:prstGeom prst="rect">
             <a:avLst/>
@@ -12170,7 +12172,7 @@
     </p:spTree>
     <p:extLst>
       <p:ext uri="{BB962C8B-B14F-4D97-AF65-F5344CB8AC3E}">
-        <p14:creationId xmlns:p14="http://schemas.microsoft.com/office/powerpoint/2010/main" val="1504661936"/>
+        <p14:creationId xmlns:p14="http://schemas.microsoft.com/office/powerpoint/2010/main" val="1833314820"/>
       </p:ext>
     </p:extLst>
   </p:cSld>
@@ -12752,10 +12754,10 @@
       </p:sp>
       <p:pic>
         <p:nvPicPr>
-          <p:cNvPr id="1026" name="Picture 2" descr="Drifters Central - Drifters Baseball">
-            <a:extLst>
-              <a:ext uri="{FF2B5EF4-FFF2-40B4-BE49-F238E27FC236}">
-                <a16:creationId xmlns:a16="http://schemas.microsoft.com/office/drawing/2014/main" id="{71DE0A74-EC67-5648-CC1C-502F504CE6B6}"/>
+          <p:cNvPr id="1026" name="Picture 2" descr="Victoria HarbourCats - Teams">
+            <a:extLst>
+              <a:ext uri="{FF2B5EF4-FFF2-40B4-BE49-F238E27FC236}">
+                <a16:creationId xmlns:a16="http://schemas.microsoft.com/office/drawing/2014/main" id="{E2F00836-6828-5E61-D3DE-1B13DAC4C3A0}"/>
               </a:ext>
             </a:extLst>
           </p:cNvPr>
@@ -12765,7 +12767,7 @@
           <p:nvPr/>
         </p:nvPicPr>
         <p:blipFill>
-          <a:blip r:embed="rId3" cstate="print">
+          <a:blip r:embed="rId3">
             <a:extLst>
               <a:ext uri="{28A0092B-C50C-407E-A947-70E740481C1C}">
                 <a14:useLocalDpi xmlns:a14="http://schemas.microsoft.com/office/drawing/2010/main" val="0"/>
@@ -12779,8 +12781,8 @@
         </p:blipFill>
         <p:spPr bwMode="auto">
           <a:xfrm>
-            <a:off x="4383351" y="1370752"/>
-            <a:ext cx="832551" cy="654255"/>
+            <a:off x="4363102" y="1157826"/>
+            <a:ext cx="874996" cy="874996"/>
           </a:xfrm>
           <a:prstGeom prst="rect">
             <a:avLst/>
@@ -12800,7 +12802,7 @@
     </p:spTree>
     <p:extLst>
       <p:ext uri="{BB962C8B-B14F-4D97-AF65-F5344CB8AC3E}">
-        <p14:creationId xmlns:p14="http://schemas.microsoft.com/office/powerpoint/2010/main" val="671185841"/>
+        <p14:creationId xmlns:p14="http://schemas.microsoft.com/office/powerpoint/2010/main" val="455491518"/>
       </p:ext>
     </p:extLst>
   </p:cSld>
@@ -13382,10 +13384,10 @@
       </p:sp>
       <p:pic>
         <p:nvPicPr>
-          <p:cNvPr id="1026" name="Picture 2" descr="Drifters Central - Drifters Baseball">
-            <a:extLst>
-              <a:ext uri="{FF2B5EF4-FFF2-40B4-BE49-F238E27FC236}">
-                <a16:creationId xmlns:a16="http://schemas.microsoft.com/office/drawing/2014/main" id="{71DE0A74-EC67-5648-CC1C-502F504CE6B6}"/>
+          <p:cNvPr id="1026" name="Picture 2" descr="Victoria HarbourCats - Teams">
+            <a:extLst>
+              <a:ext uri="{FF2B5EF4-FFF2-40B4-BE49-F238E27FC236}">
+                <a16:creationId xmlns:a16="http://schemas.microsoft.com/office/drawing/2014/main" id="{E2F00836-6828-5E61-D3DE-1B13DAC4C3A0}"/>
               </a:ext>
             </a:extLst>
           </p:cNvPr>
@@ -13395,7 +13397,7 @@
           <p:nvPr/>
         </p:nvPicPr>
         <p:blipFill>
-          <a:blip r:embed="rId3" cstate="print">
+          <a:blip r:embed="rId3">
             <a:extLst>
               <a:ext uri="{28A0092B-C50C-407E-A947-70E740481C1C}">
                 <a14:useLocalDpi xmlns:a14="http://schemas.microsoft.com/office/drawing/2010/main" val="0"/>
@@ -13409,8 +13411,8 @@
         </p:blipFill>
         <p:spPr bwMode="auto">
           <a:xfrm>
-            <a:off x="4383351" y="1370752"/>
-            <a:ext cx="832551" cy="654255"/>
+            <a:off x="4363102" y="1157826"/>
+            <a:ext cx="874996" cy="874996"/>
           </a:xfrm>
           <a:prstGeom prst="rect">
             <a:avLst/>
@@ -13430,7 +13432,7 @@
     </p:spTree>
     <p:extLst>
       <p:ext uri="{BB962C8B-B14F-4D97-AF65-F5344CB8AC3E}">
-        <p14:creationId xmlns:p14="http://schemas.microsoft.com/office/powerpoint/2010/main" val="1683513121"/>
+        <p14:creationId xmlns:p14="http://schemas.microsoft.com/office/powerpoint/2010/main" val="57615654"/>
       </p:ext>
     </p:extLst>
   </p:cSld>
@@ -14012,10 +14014,10 @@
       </p:sp>
       <p:pic>
         <p:nvPicPr>
-          <p:cNvPr id="1026" name="Picture 2" descr="Drifters Central - Drifters Baseball">
-            <a:extLst>
-              <a:ext uri="{FF2B5EF4-FFF2-40B4-BE49-F238E27FC236}">
-                <a16:creationId xmlns:a16="http://schemas.microsoft.com/office/drawing/2014/main" id="{71DE0A74-EC67-5648-CC1C-502F504CE6B6}"/>
+          <p:cNvPr id="1026" name="Picture 2" descr="Victoria HarbourCats - Teams">
+            <a:extLst>
+              <a:ext uri="{FF2B5EF4-FFF2-40B4-BE49-F238E27FC236}">
+                <a16:creationId xmlns:a16="http://schemas.microsoft.com/office/drawing/2014/main" id="{E2F00836-6828-5E61-D3DE-1B13DAC4C3A0}"/>
               </a:ext>
             </a:extLst>
           </p:cNvPr>
@@ -14025,7 +14027,7 @@
           <p:nvPr/>
         </p:nvPicPr>
         <p:blipFill>
-          <a:blip r:embed="rId3" cstate="print">
+          <a:blip r:embed="rId3">
             <a:extLst>
               <a:ext uri="{28A0092B-C50C-407E-A947-70E740481C1C}">
                 <a14:useLocalDpi xmlns:a14="http://schemas.microsoft.com/office/drawing/2010/main" val="0"/>
@@ -14039,8 +14041,8 @@
         </p:blipFill>
         <p:spPr bwMode="auto">
           <a:xfrm>
-            <a:off x="4383351" y="1370752"/>
-            <a:ext cx="832551" cy="654255"/>
+            <a:off x="4363102" y="1157826"/>
+            <a:ext cx="874996" cy="874996"/>
           </a:xfrm>
           <a:prstGeom prst="rect">
             <a:avLst/>
@@ -14060,7 +14062,7 @@
     </p:spTree>
     <p:extLst>
       <p:ext uri="{BB962C8B-B14F-4D97-AF65-F5344CB8AC3E}">
-        <p14:creationId xmlns:p14="http://schemas.microsoft.com/office/powerpoint/2010/main" val="2111703644"/>
+        <p14:creationId xmlns:p14="http://schemas.microsoft.com/office/powerpoint/2010/main" val="3165315355"/>
       </p:ext>
     </p:extLst>
   </p:cSld>
@@ -14642,10 +14644,10 @@
       </p:sp>
       <p:pic>
         <p:nvPicPr>
-          <p:cNvPr id="1026" name="Picture 2" descr="Drifters Central - Drifters Baseball">
-            <a:extLst>
-              <a:ext uri="{FF2B5EF4-FFF2-40B4-BE49-F238E27FC236}">
-                <a16:creationId xmlns:a16="http://schemas.microsoft.com/office/drawing/2014/main" id="{71DE0A74-EC67-5648-CC1C-502F504CE6B6}"/>
+          <p:cNvPr id="1026" name="Picture 2" descr="Victoria HarbourCats - Teams">
+            <a:extLst>
+              <a:ext uri="{FF2B5EF4-FFF2-40B4-BE49-F238E27FC236}">
+                <a16:creationId xmlns:a16="http://schemas.microsoft.com/office/drawing/2014/main" id="{E2F00836-6828-5E61-D3DE-1B13DAC4C3A0}"/>
               </a:ext>
             </a:extLst>
           </p:cNvPr>
@@ -14655,7 +14657,7 @@
           <p:nvPr/>
         </p:nvPicPr>
         <p:blipFill>
-          <a:blip r:embed="rId3" cstate="print">
+          <a:blip r:embed="rId3">
             <a:extLst>
               <a:ext uri="{28A0092B-C50C-407E-A947-70E740481C1C}">
                 <a14:useLocalDpi xmlns:a14="http://schemas.microsoft.com/office/drawing/2010/main" val="0"/>
@@ -14669,8 +14671,8 @@
         </p:blipFill>
         <p:spPr bwMode="auto">
           <a:xfrm>
-            <a:off x="4383351" y="1370752"/>
-            <a:ext cx="832551" cy="654255"/>
+            <a:off x="4363102" y="1157826"/>
+            <a:ext cx="874996" cy="874996"/>
           </a:xfrm>
           <a:prstGeom prst="rect">
             <a:avLst/>
@@ -14690,7 +14692,7 @@
     </p:spTree>
     <p:extLst>
       <p:ext uri="{BB962C8B-B14F-4D97-AF65-F5344CB8AC3E}">
-        <p14:creationId xmlns:p14="http://schemas.microsoft.com/office/powerpoint/2010/main" val="368054660"/>
+        <p14:creationId xmlns:p14="http://schemas.microsoft.com/office/powerpoint/2010/main" val="2350496848"/>
       </p:ext>
     </p:extLst>
   </p:cSld>
@@ -15272,10 +15274,10 @@
       </p:sp>
       <p:pic>
         <p:nvPicPr>
-          <p:cNvPr id="1026" name="Picture 2" descr="Drifters Central - Drifters Baseball">
-            <a:extLst>
-              <a:ext uri="{FF2B5EF4-FFF2-40B4-BE49-F238E27FC236}">
-                <a16:creationId xmlns:a16="http://schemas.microsoft.com/office/drawing/2014/main" id="{71DE0A74-EC67-5648-CC1C-502F504CE6B6}"/>
+          <p:cNvPr id="1026" name="Picture 2" descr="Victoria HarbourCats - Teams">
+            <a:extLst>
+              <a:ext uri="{FF2B5EF4-FFF2-40B4-BE49-F238E27FC236}">
+                <a16:creationId xmlns:a16="http://schemas.microsoft.com/office/drawing/2014/main" id="{E2F00836-6828-5E61-D3DE-1B13DAC4C3A0}"/>
               </a:ext>
             </a:extLst>
           </p:cNvPr>
@@ -15285,7 +15287,7 @@
           <p:nvPr/>
         </p:nvPicPr>
         <p:blipFill>
-          <a:blip r:embed="rId3" cstate="print">
+          <a:blip r:embed="rId3">
             <a:extLst>
               <a:ext uri="{28A0092B-C50C-407E-A947-70E740481C1C}">
                 <a14:useLocalDpi xmlns:a14="http://schemas.microsoft.com/office/drawing/2010/main" val="0"/>
@@ -15299,8 +15301,8 @@
         </p:blipFill>
         <p:spPr bwMode="auto">
           <a:xfrm>
-            <a:off x="4383351" y="1370752"/>
-            <a:ext cx="832551" cy="654255"/>
+            <a:off x="4363102" y="1157826"/>
+            <a:ext cx="874996" cy="874996"/>
           </a:xfrm>
           <a:prstGeom prst="rect">
             <a:avLst/>
@@ -15320,7 +15322,7 @@
     </p:spTree>
     <p:extLst>
       <p:ext uri="{BB962C8B-B14F-4D97-AF65-F5344CB8AC3E}">
-        <p14:creationId xmlns:p14="http://schemas.microsoft.com/office/powerpoint/2010/main" val="309710867"/>
+        <p14:creationId xmlns:p14="http://schemas.microsoft.com/office/powerpoint/2010/main" val="2458731428"/>
       </p:ext>
     </p:extLst>
   </p:cSld>
@@ -15902,10 +15904,10 @@
       </p:sp>
       <p:pic>
         <p:nvPicPr>
-          <p:cNvPr id="1026" name="Picture 2" descr="Drifters Central - Drifters Baseball">
-            <a:extLst>
-              <a:ext uri="{FF2B5EF4-FFF2-40B4-BE49-F238E27FC236}">
-                <a16:creationId xmlns:a16="http://schemas.microsoft.com/office/drawing/2014/main" id="{71DE0A74-EC67-5648-CC1C-502F504CE6B6}"/>
+          <p:cNvPr id="1026" name="Picture 2" descr="Victoria HarbourCats - Teams">
+            <a:extLst>
+              <a:ext uri="{FF2B5EF4-FFF2-40B4-BE49-F238E27FC236}">
+                <a16:creationId xmlns:a16="http://schemas.microsoft.com/office/drawing/2014/main" id="{E2F00836-6828-5E61-D3DE-1B13DAC4C3A0}"/>
               </a:ext>
             </a:extLst>
           </p:cNvPr>
@@ -15915,7 +15917,7 @@
           <p:nvPr/>
         </p:nvPicPr>
         <p:blipFill>
-          <a:blip r:embed="rId3" cstate="print">
+          <a:blip r:embed="rId3">
             <a:extLst>
               <a:ext uri="{28A0092B-C50C-407E-A947-70E740481C1C}">
                 <a14:useLocalDpi xmlns:a14="http://schemas.microsoft.com/office/drawing/2010/main" val="0"/>
@@ -15929,8 +15931,8 @@
         </p:blipFill>
         <p:spPr bwMode="auto">
           <a:xfrm>
-            <a:off x="4383351" y="1370752"/>
-            <a:ext cx="832551" cy="654255"/>
+            <a:off x="4363102" y="1157826"/>
+            <a:ext cx="874996" cy="874996"/>
           </a:xfrm>
           <a:prstGeom prst="rect">
             <a:avLst/>
@@ -15950,7 +15952,7 @@
     </p:spTree>
     <p:extLst>
       <p:ext uri="{BB962C8B-B14F-4D97-AF65-F5344CB8AC3E}">
-        <p14:creationId xmlns:p14="http://schemas.microsoft.com/office/powerpoint/2010/main" val="1376701989"/>
+        <p14:creationId xmlns:p14="http://schemas.microsoft.com/office/powerpoint/2010/main" val="1889924681"/>
       </p:ext>
     </p:extLst>
   </p:cSld>
@@ -16532,10 +16534,10 @@
       </p:sp>
       <p:pic>
         <p:nvPicPr>
-          <p:cNvPr id="1026" name="Picture 2" descr="Drifters Central - Drifters Baseball">
-            <a:extLst>
-              <a:ext uri="{FF2B5EF4-FFF2-40B4-BE49-F238E27FC236}">
-                <a16:creationId xmlns:a16="http://schemas.microsoft.com/office/drawing/2014/main" id="{71DE0A74-EC67-5648-CC1C-502F504CE6B6}"/>
+          <p:cNvPr id="1026" name="Picture 2" descr="Victoria HarbourCats - Teams">
+            <a:extLst>
+              <a:ext uri="{FF2B5EF4-FFF2-40B4-BE49-F238E27FC236}">
+                <a16:creationId xmlns:a16="http://schemas.microsoft.com/office/drawing/2014/main" id="{E2F00836-6828-5E61-D3DE-1B13DAC4C3A0}"/>
               </a:ext>
             </a:extLst>
           </p:cNvPr>
@@ -16545,7 +16547,7 @@
           <p:nvPr/>
         </p:nvPicPr>
         <p:blipFill>
-          <a:blip r:embed="rId3" cstate="print">
+          <a:blip r:embed="rId3">
             <a:extLst>
               <a:ext uri="{28A0092B-C50C-407E-A947-70E740481C1C}">
                 <a14:useLocalDpi xmlns:a14="http://schemas.microsoft.com/office/drawing/2010/main" val="0"/>
@@ -16559,8 +16561,8 @@
         </p:blipFill>
         <p:spPr bwMode="auto">
           <a:xfrm>
-            <a:off x="4383351" y="1370752"/>
-            <a:ext cx="832551" cy="654255"/>
+            <a:off x="4363102" y="1157826"/>
+            <a:ext cx="874996" cy="874996"/>
           </a:xfrm>
           <a:prstGeom prst="rect">
             <a:avLst/>
@@ -16580,7 +16582,7 @@
     </p:spTree>
     <p:extLst>
       <p:ext uri="{BB962C8B-B14F-4D97-AF65-F5344CB8AC3E}">
-        <p14:creationId xmlns:p14="http://schemas.microsoft.com/office/powerpoint/2010/main" val="523117845"/>
+        <p14:creationId xmlns:p14="http://schemas.microsoft.com/office/powerpoint/2010/main" val="2040051921"/>
       </p:ext>
     </p:extLst>
   </p:cSld>
@@ -17162,10 +17164,10 @@
       </p:sp>
       <p:pic>
         <p:nvPicPr>
-          <p:cNvPr id="1026" name="Picture 2" descr="Drifters Central - Drifters Baseball">
-            <a:extLst>
-              <a:ext uri="{FF2B5EF4-FFF2-40B4-BE49-F238E27FC236}">
-                <a16:creationId xmlns:a16="http://schemas.microsoft.com/office/drawing/2014/main" id="{71DE0A74-EC67-5648-CC1C-502F504CE6B6}"/>
+          <p:cNvPr id="1026" name="Picture 2" descr="Victoria HarbourCats - Teams">
+            <a:extLst>
+              <a:ext uri="{FF2B5EF4-FFF2-40B4-BE49-F238E27FC236}">
+                <a16:creationId xmlns:a16="http://schemas.microsoft.com/office/drawing/2014/main" id="{E2F00836-6828-5E61-D3DE-1B13DAC4C3A0}"/>
               </a:ext>
             </a:extLst>
           </p:cNvPr>
@@ -17175,7 +17177,7 @@
           <p:nvPr/>
         </p:nvPicPr>
         <p:blipFill>
-          <a:blip r:embed="rId3" cstate="print">
+          <a:blip r:embed="rId3">
             <a:extLst>
               <a:ext uri="{28A0092B-C50C-407E-A947-70E740481C1C}">
                 <a14:useLocalDpi xmlns:a14="http://schemas.microsoft.com/office/drawing/2010/main" val="0"/>
@@ -17189,8 +17191,8 @@
         </p:blipFill>
         <p:spPr bwMode="auto">
           <a:xfrm>
-            <a:off x="4383351" y="1370752"/>
-            <a:ext cx="832551" cy="654255"/>
+            <a:off x="4363102" y="1157826"/>
+            <a:ext cx="874996" cy="874996"/>
           </a:xfrm>
           <a:prstGeom prst="rect">
             <a:avLst/>
@@ -17210,7 +17212,7 @@
     </p:spTree>
     <p:extLst>
       <p:ext uri="{BB962C8B-B14F-4D97-AF65-F5344CB8AC3E}">
-        <p14:creationId xmlns:p14="http://schemas.microsoft.com/office/powerpoint/2010/main" val="3281034427"/>
+        <p14:creationId xmlns:p14="http://schemas.microsoft.com/office/powerpoint/2010/main" val="1316473114"/>
       </p:ext>
     </p:extLst>
   </p:cSld>
@@ -17792,10 +17794,10 @@
       </p:sp>
       <p:pic>
         <p:nvPicPr>
-          <p:cNvPr id="1026" name="Picture 2" descr="Drifters Central - Drifters Baseball">
-            <a:extLst>
-              <a:ext uri="{FF2B5EF4-FFF2-40B4-BE49-F238E27FC236}">
-                <a16:creationId xmlns:a16="http://schemas.microsoft.com/office/drawing/2014/main" id="{71DE0A74-EC67-5648-CC1C-502F504CE6B6}"/>
+          <p:cNvPr id="1026" name="Picture 2" descr="Victoria HarbourCats - Teams">
+            <a:extLst>
+              <a:ext uri="{FF2B5EF4-FFF2-40B4-BE49-F238E27FC236}">
+                <a16:creationId xmlns:a16="http://schemas.microsoft.com/office/drawing/2014/main" id="{E2F00836-6828-5E61-D3DE-1B13DAC4C3A0}"/>
               </a:ext>
             </a:extLst>
           </p:cNvPr>
@@ -17805,7 +17807,7 @@
           <p:nvPr/>
         </p:nvPicPr>
         <p:blipFill>
-          <a:blip r:embed="rId3" cstate="print">
+          <a:blip r:embed="rId3">
             <a:extLst>
               <a:ext uri="{28A0092B-C50C-407E-A947-70E740481C1C}">
                 <a14:useLocalDpi xmlns:a14="http://schemas.microsoft.com/office/drawing/2010/main" val="0"/>
@@ -17819,8 +17821,8 @@
         </p:blipFill>
         <p:spPr bwMode="auto">
           <a:xfrm>
-            <a:off x="4383351" y="1370752"/>
-            <a:ext cx="832551" cy="654255"/>
+            <a:off x="4363102" y="1157826"/>
+            <a:ext cx="874996" cy="874996"/>
           </a:xfrm>
           <a:prstGeom prst="rect">
             <a:avLst/>
@@ -17840,7 +17842,7 @@
     </p:spTree>
     <p:extLst>
       <p:ext uri="{BB962C8B-B14F-4D97-AF65-F5344CB8AC3E}">
-        <p14:creationId xmlns:p14="http://schemas.microsoft.com/office/powerpoint/2010/main" val="449335178"/>
+        <p14:creationId xmlns:p14="http://schemas.microsoft.com/office/powerpoint/2010/main" val="3751971230"/>
       </p:ext>
     </p:extLst>
   </p:cSld>
@@ -18422,10 +18424,10 @@
       </p:sp>
       <p:pic>
         <p:nvPicPr>
-          <p:cNvPr id="1026" name="Picture 2" descr="Drifters Central - Drifters Baseball">
-            <a:extLst>
-              <a:ext uri="{FF2B5EF4-FFF2-40B4-BE49-F238E27FC236}">
-                <a16:creationId xmlns:a16="http://schemas.microsoft.com/office/drawing/2014/main" id="{71DE0A74-EC67-5648-CC1C-502F504CE6B6}"/>
+          <p:cNvPr id="1026" name="Picture 2" descr="Victoria HarbourCats - Teams">
+            <a:extLst>
+              <a:ext uri="{FF2B5EF4-FFF2-40B4-BE49-F238E27FC236}">
+                <a16:creationId xmlns:a16="http://schemas.microsoft.com/office/drawing/2014/main" id="{E2F00836-6828-5E61-D3DE-1B13DAC4C3A0}"/>
               </a:ext>
             </a:extLst>
           </p:cNvPr>
@@ -18435,7 +18437,7 @@
           <p:nvPr/>
         </p:nvPicPr>
         <p:blipFill>
-          <a:blip r:embed="rId3" cstate="print">
+          <a:blip r:embed="rId3">
             <a:extLst>
               <a:ext uri="{28A0092B-C50C-407E-A947-70E740481C1C}">
                 <a14:useLocalDpi xmlns:a14="http://schemas.microsoft.com/office/drawing/2010/main" val="0"/>
@@ -18449,8 +18451,8 @@
         </p:blipFill>
         <p:spPr bwMode="auto">
           <a:xfrm>
-            <a:off x="4383351" y="1370752"/>
-            <a:ext cx="832551" cy="654255"/>
+            <a:off x="4363102" y="1157826"/>
+            <a:ext cx="874996" cy="874996"/>
           </a:xfrm>
           <a:prstGeom prst="rect">
             <a:avLst/>
@@ -18470,7 +18472,7 @@
     </p:spTree>
     <p:extLst>
       <p:ext uri="{BB962C8B-B14F-4D97-AF65-F5344CB8AC3E}">
-        <p14:creationId xmlns:p14="http://schemas.microsoft.com/office/powerpoint/2010/main" val="3793130805"/>
+        <p14:creationId xmlns:p14="http://schemas.microsoft.com/office/powerpoint/2010/main" val="3535093280"/>
       </p:ext>
     </p:extLst>
   </p:cSld>
@@ -19052,10 +19054,10 @@
       </p:sp>
       <p:pic>
         <p:nvPicPr>
-          <p:cNvPr id="1026" name="Picture 2" descr="Drifters Central - Drifters Baseball">
-            <a:extLst>
-              <a:ext uri="{FF2B5EF4-FFF2-40B4-BE49-F238E27FC236}">
-                <a16:creationId xmlns:a16="http://schemas.microsoft.com/office/drawing/2014/main" id="{71DE0A74-EC67-5648-CC1C-502F504CE6B6}"/>
+          <p:cNvPr id="1026" name="Picture 2" descr="Victoria HarbourCats - Teams">
+            <a:extLst>
+              <a:ext uri="{FF2B5EF4-FFF2-40B4-BE49-F238E27FC236}">
+                <a16:creationId xmlns:a16="http://schemas.microsoft.com/office/drawing/2014/main" id="{E2F00836-6828-5E61-D3DE-1B13DAC4C3A0}"/>
               </a:ext>
             </a:extLst>
           </p:cNvPr>
@@ -19065,7 +19067,7 @@
           <p:nvPr/>
         </p:nvPicPr>
         <p:blipFill>
-          <a:blip r:embed="rId3" cstate="print">
+          <a:blip r:embed="rId3">
             <a:extLst>
               <a:ext uri="{28A0092B-C50C-407E-A947-70E740481C1C}">
                 <a14:useLocalDpi xmlns:a14="http://schemas.microsoft.com/office/drawing/2010/main" val="0"/>
@@ -19079,8 +19081,8 @@
         </p:blipFill>
         <p:spPr bwMode="auto">
           <a:xfrm>
-            <a:off x="4383351" y="1370752"/>
-            <a:ext cx="832551" cy="654255"/>
+            <a:off x="4363102" y="1157826"/>
+            <a:ext cx="874996" cy="874996"/>
           </a:xfrm>
           <a:prstGeom prst="rect">
             <a:avLst/>
@@ -19100,7 +19102,7 @@
     </p:spTree>
     <p:extLst>
       <p:ext uri="{BB962C8B-B14F-4D97-AF65-F5344CB8AC3E}">
-        <p14:creationId xmlns:p14="http://schemas.microsoft.com/office/powerpoint/2010/main" val="3862997061"/>
+        <p14:creationId xmlns:p14="http://schemas.microsoft.com/office/powerpoint/2010/main" val="841558641"/>
       </p:ext>
     </p:extLst>
   </p:cSld>
@@ -19682,10 +19684,10 @@
       </p:sp>
       <p:pic>
         <p:nvPicPr>
-          <p:cNvPr id="1026" name="Picture 2" descr="Drifters Central - Drifters Baseball">
-            <a:extLst>
-              <a:ext uri="{FF2B5EF4-FFF2-40B4-BE49-F238E27FC236}">
-                <a16:creationId xmlns:a16="http://schemas.microsoft.com/office/drawing/2014/main" id="{71DE0A74-EC67-5648-CC1C-502F504CE6B6}"/>
+          <p:cNvPr id="1026" name="Picture 2" descr="Victoria HarbourCats - Teams">
+            <a:extLst>
+              <a:ext uri="{FF2B5EF4-FFF2-40B4-BE49-F238E27FC236}">
+                <a16:creationId xmlns:a16="http://schemas.microsoft.com/office/drawing/2014/main" id="{E2F00836-6828-5E61-D3DE-1B13DAC4C3A0}"/>
               </a:ext>
             </a:extLst>
           </p:cNvPr>
@@ -19695,7 +19697,7 @@
           <p:nvPr/>
         </p:nvPicPr>
         <p:blipFill>
-          <a:blip r:embed="rId3" cstate="print">
+          <a:blip r:embed="rId3">
             <a:extLst>
               <a:ext uri="{28A0092B-C50C-407E-A947-70E740481C1C}">
                 <a14:useLocalDpi xmlns:a14="http://schemas.microsoft.com/office/drawing/2010/main" val="0"/>
@@ -19709,8 +19711,8 @@
         </p:blipFill>
         <p:spPr bwMode="auto">
           <a:xfrm>
-            <a:off x="4383351" y="1370752"/>
-            <a:ext cx="832551" cy="654255"/>
+            <a:off x="4363102" y="1157826"/>
+            <a:ext cx="874996" cy="874996"/>
           </a:xfrm>
           <a:prstGeom prst="rect">
             <a:avLst/>
@@ -19730,7 +19732,7 @@
     </p:spTree>
     <p:extLst>
       <p:ext uri="{BB962C8B-B14F-4D97-AF65-F5344CB8AC3E}">
-        <p14:creationId xmlns:p14="http://schemas.microsoft.com/office/powerpoint/2010/main" val="3483740687"/>
+        <p14:creationId xmlns:p14="http://schemas.microsoft.com/office/powerpoint/2010/main" val="799745883"/>
       </p:ext>
     </p:extLst>
   </p:cSld>
@@ -20312,10 +20314,10 @@
       </p:sp>
       <p:pic>
         <p:nvPicPr>
-          <p:cNvPr id="1026" name="Picture 2" descr="Drifters Central - Drifters Baseball">
-            <a:extLst>
-              <a:ext uri="{FF2B5EF4-FFF2-40B4-BE49-F238E27FC236}">
-                <a16:creationId xmlns:a16="http://schemas.microsoft.com/office/drawing/2014/main" id="{71DE0A74-EC67-5648-CC1C-502F504CE6B6}"/>
+          <p:cNvPr id="1026" name="Picture 2" descr="Victoria HarbourCats - Teams">
+            <a:extLst>
+              <a:ext uri="{FF2B5EF4-FFF2-40B4-BE49-F238E27FC236}">
+                <a16:creationId xmlns:a16="http://schemas.microsoft.com/office/drawing/2014/main" id="{E2F00836-6828-5E61-D3DE-1B13DAC4C3A0}"/>
               </a:ext>
             </a:extLst>
           </p:cNvPr>
@@ -20325,7 +20327,7 @@
           <p:nvPr/>
         </p:nvPicPr>
         <p:blipFill>
-          <a:blip r:embed="rId3" cstate="print">
+          <a:blip r:embed="rId3">
             <a:extLst>
               <a:ext uri="{28A0092B-C50C-407E-A947-70E740481C1C}">
                 <a14:useLocalDpi xmlns:a14="http://schemas.microsoft.com/office/drawing/2010/main" val="0"/>
@@ -20339,8 +20341,8 @@
         </p:blipFill>
         <p:spPr bwMode="auto">
           <a:xfrm>
-            <a:off x="4383351" y="1370752"/>
-            <a:ext cx="832551" cy="654255"/>
+            <a:off x="4363102" y="1157826"/>
+            <a:ext cx="874996" cy="874996"/>
           </a:xfrm>
           <a:prstGeom prst="rect">
             <a:avLst/>
@@ -20360,7 +20362,7 @@
     </p:spTree>
     <p:extLst>
       <p:ext uri="{BB962C8B-B14F-4D97-AF65-F5344CB8AC3E}">
-        <p14:creationId xmlns:p14="http://schemas.microsoft.com/office/powerpoint/2010/main" val="2219674214"/>
+        <p14:creationId xmlns:p14="http://schemas.microsoft.com/office/powerpoint/2010/main" val="3689993377"/>
       </p:ext>
     </p:extLst>
   </p:cSld>
@@ -20942,10 +20944,10 @@
       </p:sp>
       <p:pic>
         <p:nvPicPr>
-          <p:cNvPr id="1026" name="Picture 2" descr="Drifters Central - Drifters Baseball">
-            <a:extLst>
-              <a:ext uri="{FF2B5EF4-FFF2-40B4-BE49-F238E27FC236}">
-                <a16:creationId xmlns:a16="http://schemas.microsoft.com/office/drawing/2014/main" id="{71DE0A74-EC67-5648-CC1C-502F504CE6B6}"/>
+          <p:cNvPr id="1026" name="Picture 2" descr="Victoria HarbourCats - Teams">
+            <a:extLst>
+              <a:ext uri="{FF2B5EF4-FFF2-40B4-BE49-F238E27FC236}">
+                <a16:creationId xmlns:a16="http://schemas.microsoft.com/office/drawing/2014/main" id="{E2F00836-6828-5E61-D3DE-1B13DAC4C3A0}"/>
               </a:ext>
             </a:extLst>
           </p:cNvPr>
@@ -20955,7 +20957,7 @@
           <p:nvPr/>
         </p:nvPicPr>
         <p:blipFill>
-          <a:blip r:embed="rId3" cstate="print">
+          <a:blip r:embed="rId3">
             <a:extLst>
               <a:ext uri="{28A0092B-C50C-407E-A947-70E740481C1C}">
                 <a14:useLocalDpi xmlns:a14="http://schemas.microsoft.com/office/drawing/2010/main" val="0"/>
@@ -20969,8 +20971,8 @@
         </p:blipFill>
         <p:spPr bwMode="auto">
           <a:xfrm>
-            <a:off x="4383351" y="1370752"/>
-            <a:ext cx="832551" cy="654255"/>
+            <a:off x="4363102" y="1157826"/>
+            <a:ext cx="874996" cy="874996"/>
           </a:xfrm>
           <a:prstGeom prst="rect">
             <a:avLst/>
@@ -20990,7 +20992,7 @@
     </p:spTree>
     <p:extLst>
       <p:ext uri="{BB962C8B-B14F-4D97-AF65-F5344CB8AC3E}">
-        <p14:creationId xmlns:p14="http://schemas.microsoft.com/office/powerpoint/2010/main" val="1493646586"/>
+        <p14:creationId xmlns:p14="http://schemas.microsoft.com/office/powerpoint/2010/main" val="3436433226"/>
       </p:ext>
     </p:extLst>
   </p:cSld>
@@ -21572,10 +21574,10 @@
       </p:sp>
       <p:pic>
         <p:nvPicPr>
-          <p:cNvPr id="1026" name="Picture 2" descr="Drifters Central - Drifters Baseball">
-            <a:extLst>
-              <a:ext uri="{FF2B5EF4-FFF2-40B4-BE49-F238E27FC236}">
-                <a16:creationId xmlns:a16="http://schemas.microsoft.com/office/drawing/2014/main" id="{71DE0A74-EC67-5648-CC1C-502F504CE6B6}"/>
+          <p:cNvPr id="1026" name="Picture 2" descr="Victoria HarbourCats - Teams">
+            <a:extLst>
+              <a:ext uri="{FF2B5EF4-FFF2-40B4-BE49-F238E27FC236}">
+                <a16:creationId xmlns:a16="http://schemas.microsoft.com/office/drawing/2014/main" id="{E2F00836-6828-5E61-D3DE-1B13DAC4C3A0}"/>
               </a:ext>
             </a:extLst>
           </p:cNvPr>
@@ -21585,7 +21587,7 @@
           <p:nvPr/>
         </p:nvPicPr>
         <p:blipFill>
-          <a:blip r:embed="rId3" cstate="print">
+          <a:blip r:embed="rId3">
             <a:extLst>
               <a:ext uri="{28A0092B-C50C-407E-A947-70E740481C1C}">
                 <a14:useLocalDpi xmlns:a14="http://schemas.microsoft.com/office/drawing/2010/main" val="0"/>
@@ -21599,8 +21601,8 @@
         </p:blipFill>
         <p:spPr bwMode="auto">
           <a:xfrm>
-            <a:off x="4383351" y="1370752"/>
-            <a:ext cx="832551" cy="654255"/>
+            <a:off x="4363102" y="1157826"/>
+            <a:ext cx="874996" cy="874996"/>
           </a:xfrm>
           <a:prstGeom prst="rect">
             <a:avLst/>
@@ -21620,7 +21622,7 @@
     </p:spTree>
     <p:extLst>
       <p:ext uri="{BB962C8B-B14F-4D97-AF65-F5344CB8AC3E}">
-        <p14:creationId xmlns:p14="http://schemas.microsoft.com/office/powerpoint/2010/main" val="3499129051"/>
+        <p14:creationId xmlns:p14="http://schemas.microsoft.com/office/powerpoint/2010/main" val="2324083601"/>
       </p:ext>
     </p:extLst>
   </p:cSld>
@@ -22202,10 +22204,10 @@
       </p:sp>
       <p:pic>
         <p:nvPicPr>
-          <p:cNvPr id="1026" name="Picture 2" descr="Drifters Central - Drifters Baseball">
-            <a:extLst>
-              <a:ext uri="{FF2B5EF4-FFF2-40B4-BE49-F238E27FC236}">
-                <a16:creationId xmlns:a16="http://schemas.microsoft.com/office/drawing/2014/main" id="{71DE0A74-EC67-5648-CC1C-502F504CE6B6}"/>
+          <p:cNvPr id="1026" name="Picture 2" descr="Victoria HarbourCats - Teams">
+            <a:extLst>
+              <a:ext uri="{FF2B5EF4-FFF2-40B4-BE49-F238E27FC236}">
+                <a16:creationId xmlns:a16="http://schemas.microsoft.com/office/drawing/2014/main" id="{E2F00836-6828-5E61-D3DE-1B13DAC4C3A0}"/>
               </a:ext>
             </a:extLst>
           </p:cNvPr>
@@ -22215,7 +22217,7 @@
           <p:nvPr/>
         </p:nvPicPr>
         <p:blipFill>
-          <a:blip r:embed="rId3" cstate="print">
+          <a:blip r:embed="rId3">
             <a:extLst>
               <a:ext uri="{28A0092B-C50C-407E-A947-70E740481C1C}">
                 <a14:useLocalDpi xmlns:a14="http://schemas.microsoft.com/office/drawing/2010/main" val="0"/>
@@ -22229,8 +22231,8 @@
         </p:blipFill>
         <p:spPr bwMode="auto">
           <a:xfrm>
-            <a:off x="4383351" y="1370752"/>
-            <a:ext cx="832551" cy="654255"/>
+            <a:off x="4363102" y="1157826"/>
+            <a:ext cx="874996" cy="874996"/>
           </a:xfrm>
           <a:prstGeom prst="rect">
             <a:avLst/>
@@ -22250,7 +22252,1267 @@
     </p:spTree>
     <p:extLst>
       <p:ext uri="{BB962C8B-B14F-4D97-AF65-F5344CB8AC3E}">
-        <p14:creationId xmlns:p14="http://schemas.microsoft.com/office/powerpoint/2010/main" val="1355085982"/>
+        <p14:creationId xmlns:p14="http://schemas.microsoft.com/office/powerpoint/2010/main" val="357823411"/>
+      </p:ext>
+    </p:extLst>
+  </p:cSld>
+  <p:clrMapOvr>
+    <a:masterClrMapping/>
+  </p:clrMapOvr>
+  <p:transition spd="med"/>
+</p:sld>
+</file>
+
+<file path=ppt/slides/slide37.xml><?xml version="1.0" encoding="utf-8"?>
+<p:sld xmlns:a="http://schemas.openxmlformats.org/drawingml/2006/main" xmlns:r="http://schemas.openxmlformats.org/officeDocument/2006/relationships" xmlns:p="http://schemas.openxmlformats.org/presentationml/2006/main">
+  <p:cSld>
+    <p:bg>
+      <p:bgPr>
+        <a:solidFill>
+          <a:srgbClr val="E6E6E6"/>
+        </a:solidFill>
+        <a:effectLst/>
+      </p:bgPr>
+    </p:bg>
+    <p:spTree>
+      <p:nvGrpSpPr>
+        <p:cNvPr id="1" name=""/>
+        <p:cNvGrpSpPr/>
+        <p:nvPr/>
+      </p:nvGrpSpPr>
+      <p:grpSpPr>
+        <a:xfrm>
+          <a:off x="0" y="0"/>
+          <a:ext cx="0" cy="0"/>
+          <a:chOff x="0" y="0"/>
+          <a:chExt cx="0" cy="0"/>
+        </a:xfrm>
+      </p:grpSpPr>
+      <p:sp>
+        <p:nvSpPr>
+          <p:cNvPr id="2" name="Title 1">
+            <a:extLst>
+              <a:ext uri="{FF2B5EF4-FFF2-40B4-BE49-F238E27FC236}">
+                <a16:creationId xmlns:a16="http://schemas.microsoft.com/office/drawing/2014/main" id="{143E107D-82C5-A8D7-E36A-F6269113FA63}"/>
+              </a:ext>
+            </a:extLst>
+          </p:cNvPr>
+          <p:cNvSpPr>
+            <a:spLocks noGrp="1"/>
+          </p:cNvSpPr>
+          <p:nvPr>
+            <p:ph type="title"/>
+          </p:nvPr>
+        </p:nvSpPr>
+        <p:spPr>
+          <a:xfrm>
+            <a:off x="3704163" y="775389"/>
+            <a:ext cx="2190928" cy="382437"/>
+          </a:xfrm>
+          <a:solidFill>
+            <a:schemeClr val="bg2">
+              <a:lumMod val="10000"/>
+            </a:schemeClr>
+          </a:solidFill>
+        </p:spPr>
+        <p:txBody>
+          <a:bodyPr>
+            <a:normAutofit/>
+          </a:bodyPr>
+          <a:lstStyle/>
+          <a:p>
+            <a:pPr algn="ctr"/>
+            <a:endParaRPr lang="en-US" sz="1416" dirty="0">
+              <a:solidFill>
+                <a:srgbClr val="FFF8DD"/>
+              </a:solidFill>
+              <a:latin typeface="Adobe Heiti Std R" panose="020B0400000000000000" pitchFamily="34" charset="-128"/>
+              <a:ea typeface="Adobe Heiti Std R" panose="020B0400000000000000" pitchFamily="34" charset="-128"/>
+            </a:endParaRPr>
+          </a:p>
+        </p:txBody>
+      </p:sp>
+      <p:pic>
+        <p:nvPicPr>
+          <p:cNvPr id="10" name="Picture 9">
+            <a:extLst>
+              <a:ext uri="{FF2B5EF4-FFF2-40B4-BE49-F238E27FC236}">
+                <a16:creationId xmlns:a16="http://schemas.microsoft.com/office/drawing/2014/main" id="{4630D6F0-2EBD-26C2-4AFC-12A561AF46F7}"/>
+              </a:ext>
+            </a:extLst>
+          </p:cNvPr>
+          <p:cNvPicPr>
+            <a:picLocks noChangeAspect="1"/>
+          </p:cNvPicPr>
+          <p:nvPr/>
+        </p:nvPicPr>
+        <p:blipFill rotWithShape="1">
+          <a:blip r:embed="rId2"/>
+          <a:srcRect l="2765" t="3235" r="4514" b="2752"/>
+          <a:stretch/>
+        </p:blipFill>
+        <p:spPr>
+          <a:xfrm>
+            <a:off x="102515" y="3600584"/>
+            <a:ext cx="1624476" cy="1882966"/>
+          </a:xfrm>
+          <a:prstGeom prst="rect">
+            <a:avLst/>
+          </a:prstGeom>
+        </p:spPr>
+      </p:pic>
+      <p:sp>
+        <p:nvSpPr>
+          <p:cNvPr id="11" name="TextBox 10">
+            <a:extLst>
+              <a:ext uri="{FF2B5EF4-FFF2-40B4-BE49-F238E27FC236}">
+                <a16:creationId xmlns:a16="http://schemas.microsoft.com/office/drawing/2014/main" id="{F669A892-4F8F-3938-8349-524498C48F96}"/>
+              </a:ext>
+            </a:extLst>
+          </p:cNvPr>
+          <p:cNvSpPr txBox="1"/>
+          <p:nvPr/>
+        </p:nvSpPr>
+        <p:spPr>
+          <a:xfrm>
+            <a:off x="113973" y="4840574"/>
+            <a:ext cx="1615179" cy="629854"/>
+          </a:xfrm>
+          <a:prstGeom prst="rect">
+            <a:avLst/>
+          </a:prstGeom>
+          <a:solidFill>
+            <a:srgbClr val="0070C0">
+              <a:alpha val="40000"/>
+            </a:srgbClr>
+          </a:solidFill>
+          <a:ln w="12700" cap="flat">
+            <a:noFill/>
+            <a:miter lim="400000"/>
+          </a:ln>
+          <a:effectLst/>
+          <a:sp3d/>
+        </p:spPr>
+        <p:style>
+          <a:lnRef idx="0">
+            <a:scrgbClr r="0" g="0" b="0"/>
+          </a:lnRef>
+          <a:fillRef idx="0">
+            <a:scrgbClr r="0" g="0" b="0"/>
+          </a:fillRef>
+          <a:effectRef idx="0">
+            <a:scrgbClr r="0" g="0" b="0"/>
+          </a:effectRef>
+          <a:fontRef idx="none"/>
+        </p:style>
+        <p:txBody>
+          <a:bodyPr rot="0" spcFirstLastPara="1" vertOverflow="overflow" horzOverflow="overflow" vert="horz" wrap="square" lIns="63690" tIns="63690" rIns="63690" bIns="63690" numCol="1" spcCol="38100" rtlCol="0" anchor="ctr">
+            <a:noAutofit/>
+          </a:bodyPr>
+          <a:lstStyle/>
+          <a:p>
+            <a:pPr defTabSz="2174033"/>
+            <a:r>
+              <a:rPr lang="en-US" sz="4012" dirty="0">
+                <a:solidFill>
+                  <a:schemeClr val="bg2">
+                    <a:lumMod val="10000"/>
+                  </a:schemeClr>
+                </a:solidFill>
+                <a:latin typeface="Adobe Heiti Std R" panose="020B0400000000000000" pitchFamily="34" charset="-128"/>
+                <a:ea typeface="Adobe Heiti Std R" panose="020B0400000000000000" pitchFamily="34" charset="-128"/>
+              </a:rPr>
+              <a:t>.</a:t>
+            </a:r>
+          </a:p>
+        </p:txBody>
+      </p:sp>
+      <p:sp>
+        <p:nvSpPr>
+          <p:cNvPr id="12" name="TextBox 11">
+            <a:extLst>
+              <a:ext uri="{FF2B5EF4-FFF2-40B4-BE49-F238E27FC236}">
+                <a16:creationId xmlns:a16="http://schemas.microsoft.com/office/drawing/2014/main" id="{C41C791E-B917-F6D1-86F1-B3D50093513B}"/>
+              </a:ext>
+            </a:extLst>
+          </p:cNvPr>
+          <p:cNvSpPr txBox="1"/>
+          <p:nvPr/>
+        </p:nvSpPr>
+        <p:spPr>
+          <a:xfrm>
+            <a:off x="100357" y="3589216"/>
+            <a:ext cx="1615180" cy="638692"/>
+          </a:xfrm>
+          <a:prstGeom prst="rect">
+            <a:avLst/>
+          </a:prstGeom>
+          <a:solidFill>
+            <a:srgbClr val="FF0000">
+              <a:alpha val="40000"/>
+            </a:srgbClr>
+          </a:solidFill>
+          <a:ln w="12700" cap="flat">
+            <a:noFill/>
+            <a:miter lim="400000"/>
+          </a:ln>
+          <a:effectLst/>
+          <a:sp3d/>
+        </p:spPr>
+        <p:style>
+          <a:lnRef idx="0">
+            <a:scrgbClr r="0" g="0" b="0"/>
+          </a:lnRef>
+          <a:fillRef idx="0">
+            <a:scrgbClr r="0" g="0" b="0"/>
+          </a:fillRef>
+          <a:effectRef idx="0">
+            <a:scrgbClr r="0" g="0" b="0"/>
+          </a:effectRef>
+          <a:fontRef idx="none"/>
+        </p:style>
+        <p:txBody>
+          <a:bodyPr rot="0" spcFirstLastPara="1" vertOverflow="overflow" horzOverflow="overflow" vert="horz" wrap="square" lIns="63690" tIns="63690" rIns="63690" bIns="63690" numCol="1" spcCol="38100" rtlCol="0" anchor="ctr">
+            <a:noAutofit/>
+          </a:bodyPr>
+          <a:lstStyle/>
+          <a:p>
+            <a:pPr defTabSz="2174033"/>
+            <a:r>
+              <a:rPr lang="en-US" sz="4012" dirty="0">
+                <a:solidFill>
+                  <a:schemeClr val="bg2">
+                    <a:lumMod val="10000"/>
+                  </a:schemeClr>
+                </a:solidFill>
+                <a:latin typeface="Adobe Heiti Std R" panose="020B0400000000000000" pitchFamily="34" charset="-128"/>
+                <a:ea typeface="Adobe Heiti Std R" panose="020B0400000000000000" pitchFamily="34" charset="-128"/>
+              </a:rPr>
+              <a:t>.</a:t>
+            </a:r>
+          </a:p>
+        </p:txBody>
+      </p:sp>
+      <p:pic>
+        <p:nvPicPr>
+          <p:cNvPr id="15" name="Picture 14">
+            <a:extLst>
+              <a:ext uri="{FF2B5EF4-FFF2-40B4-BE49-F238E27FC236}">
+                <a16:creationId xmlns:a16="http://schemas.microsoft.com/office/drawing/2014/main" id="{7C4862FF-AF3B-25FB-E78C-B0D65FF40F20}"/>
+              </a:ext>
+            </a:extLst>
+          </p:cNvPr>
+          <p:cNvPicPr>
+            <a:picLocks noChangeAspect="1"/>
+          </p:cNvPicPr>
+          <p:nvPr/>
+        </p:nvPicPr>
+        <p:blipFill rotWithShape="1">
+          <a:blip r:embed="rId2"/>
+          <a:srcRect l="2765" t="3235" r="4514" b="2752"/>
+          <a:stretch/>
+        </p:blipFill>
+        <p:spPr>
+          <a:xfrm>
+            <a:off x="7881355" y="3600585"/>
+            <a:ext cx="1624476" cy="1882966"/>
+          </a:xfrm>
+          <a:prstGeom prst="rect">
+            <a:avLst/>
+          </a:prstGeom>
+        </p:spPr>
+      </p:pic>
+      <p:sp>
+        <p:nvSpPr>
+          <p:cNvPr id="16" name="TextBox 15">
+            <a:extLst>
+              <a:ext uri="{FF2B5EF4-FFF2-40B4-BE49-F238E27FC236}">
+                <a16:creationId xmlns:a16="http://schemas.microsoft.com/office/drawing/2014/main" id="{1BA9EF95-9700-F87D-00B8-68DF273E5A99}"/>
+              </a:ext>
+            </a:extLst>
+          </p:cNvPr>
+          <p:cNvSpPr txBox="1"/>
+          <p:nvPr/>
+        </p:nvSpPr>
+        <p:spPr>
+          <a:xfrm>
+            <a:off x="7892813" y="4840574"/>
+            <a:ext cx="1615179" cy="629854"/>
+          </a:xfrm>
+          <a:prstGeom prst="rect">
+            <a:avLst/>
+          </a:prstGeom>
+          <a:solidFill>
+            <a:srgbClr val="0070C0">
+              <a:alpha val="40000"/>
+            </a:srgbClr>
+          </a:solidFill>
+          <a:ln w="12700" cap="flat">
+            <a:noFill/>
+            <a:miter lim="400000"/>
+          </a:ln>
+          <a:effectLst/>
+          <a:sp3d/>
+        </p:spPr>
+        <p:style>
+          <a:lnRef idx="0">
+            <a:scrgbClr r="0" g="0" b="0"/>
+          </a:lnRef>
+          <a:fillRef idx="0">
+            <a:scrgbClr r="0" g="0" b="0"/>
+          </a:fillRef>
+          <a:effectRef idx="0">
+            <a:scrgbClr r="0" g="0" b="0"/>
+          </a:effectRef>
+          <a:fontRef idx="none"/>
+        </p:style>
+        <p:txBody>
+          <a:bodyPr rot="0" spcFirstLastPara="1" vertOverflow="overflow" horzOverflow="overflow" vert="horz" wrap="square" lIns="63690" tIns="63690" rIns="63690" bIns="63690" numCol="1" spcCol="38100" rtlCol="0" anchor="ctr">
+            <a:noAutofit/>
+          </a:bodyPr>
+          <a:lstStyle/>
+          <a:p>
+            <a:pPr defTabSz="2174033"/>
+            <a:r>
+              <a:rPr lang="en-US" sz="4012" dirty="0">
+                <a:solidFill>
+                  <a:schemeClr val="bg2">
+                    <a:lumMod val="10000"/>
+                  </a:schemeClr>
+                </a:solidFill>
+                <a:latin typeface="Adobe Heiti Std R" panose="020B0400000000000000" pitchFamily="34" charset="-128"/>
+                <a:ea typeface="Adobe Heiti Std R" panose="020B0400000000000000" pitchFamily="34" charset="-128"/>
+              </a:rPr>
+              <a:t>.</a:t>
+            </a:r>
+          </a:p>
+        </p:txBody>
+      </p:sp>
+      <p:sp>
+        <p:nvSpPr>
+          <p:cNvPr id="17" name="TextBox 16">
+            <a:extLst>
+              <a:ext uri="{FF2B5EF4-FFF2-40B4-BE49-F238E27FC236}">
+                <a16:creationId xmlns:a16="http://schemas.microsoft.com/office/drawing/2014/main" id="{E2B4FC15-16A8-AC78-D240-ACDBA742AD0C}"/>
+              </a:ext>
+            </a:extLst>
+          </p:cNvPr>
+          <p:cNvSpPr txBox="1"/>
+          <p:nvPr/>
+        </p:nvSpPr>
+        <p:spPr>
+          <a:xfrm>
+            <a:off x="7879197" y="3589216"/>
+            <a:ext cx="1615180" cy="638691"/>
+          </a:xfrm>
+          <a:prstGeom prst="rect">
+            <a:avLst/>
+          </a:prstGeom>
+          <a:solidFill>
+            <a:srgbClr val="FF0000">
+              <a:alpha val="40000"/>
+            </a:srgbClr>
+          </a:solidFill>
+          <a:ln w="12700" cap="flat">
+            <a:noFill/>
+            <a:miter lim="400000"/>
+          </a:ln>
+          <a:effectLst/>
+          <a:sp3d/>
+        </p:spPr>
+        <p:style>
+          <a:lnRef idx="0">
+            <a:scrgbClr r="0" g="0" b="0"/>
+          </a:lnRef>
+          <a:fillRef idx="0">
+            <a:scrgbClr r="0" g="0" b="0"/>
+          </a:fillRef>
+          <a:effectRef idx="0">
+            <a:scrgbClr r="0" g="0" b="0"/>
+          </a:effectRef>
+          <a:fontRef idx="none"/>
+        </p:style>
+        <p:txBody>
+          <a:bodyPr rot="0" spcFirstLastPara="1" vertOverflow="overflow" horzOverflow="overflow" vert="horz" wrap="square" lIns="63690" tIns="63690" rIns="63690" bIns="63690" numCol="1" spcCol="38100" rtlCol="0" anchor="ctr">
+            <a:noAutofit/>
+          </a:bodyPr>
+          <a:lstStyle/>
+          <a:p>
+            <a:pPr defTabSz="2174033"/>
+            <a:r>
+              <a:rPr lang="en-US" sz="4012" dirty="0">
+                <a:solidFill>
+                  <a:schemeClr val="bg2">
+                    <a:lumMod val="10000"/>
+                  </a:schemeClr>
+                </a:solidFill>
+                <a:latin typeface="Adobe Heiti Std R" panose="020B0400000000000000" pitchFamily="34" charset="-128"/>
+                <a:ea typeface="Adobe Heiti Std R" panose="020B0400000000000000" pitchFamily="34" charset="-128"/>
+              </a:rPr>
+              <a:t>.</a:t>
+            </a:r>
+          </a:p>
+        </p:txBody>
+      </p:sp>
+      <p:sp>
+        <p:nvSpPr>
+          <p:cNvPr id="20" name="TextBox 19">
+            <a:extLst>
+              <a:ext uri="{FF2B5EF4-FFF2-40B4-BE49-F238E27FC236}">
+                <a16:creationId xmlns:a16="http://schemas.microsoft.com/office/drawing/2014/main" id="{7249792B-49D1-5427-2F17-675FB6D7806C}"/>
+              </a:ext>
+            </a:extLst>
+          </p:cNvPr>
+          <p:cNvSpPr txBox="1"/>
+          <p:nvPr/>
+        </p:nvSpPr>
+        <p:spPr>
+          <a:xfrm>
+            <a:off x="318992" y="5731931"/>
+            <a:ext cx="3124897" cy="452732"/>
+          </a:xfrm>
+          <a:prstGeom prst="rect">
+            <a:avLst/>
+          </a:prstGeom>
+          <a:noFill/>
+          <a:ln w="12700" cap="flat">
+            <a:noFill/>
+            <a:miter lim="400000"/>
+          </a:ln>
+          <a:effectLst/>
+          <a:sp3d/>
+        </p:spPr>
+        <p:style>
+          <a:lnRef idx="0">
+            <a:scrgbClr r="0" g="0" b="0"/>
+          </a:lnRef>
+          <a:fillRef idx="0">
+            <a:scrgbClr r="0" g="0" b="0"/>
+          </a:fillRef>
+          <a:effectRef idx="0">
+            <a:scrgbClr r="0" g="0" b="0"/>
+          </a:effectRef>
+          <a:fontRef idx="none"/>
+        </p:style>
+        <p:txBody>
+          <a:bodyPr rot="0" spcFirstLastPara="1" vertOverflow="overflow" horzOverflow="overflow" vert="horz" wrap="square" lIns="63690" tIns="63690" rIns="63690" bIns="63690" numCol="1" spcCol="38100" rtlCol="0" anchor="ctr">
+            <a:spAutoFit/>
+          </a:bodyPr>
+          <a:lstStyle/>
+          <a:p>
+            <a:pPr defTabSz="2174033"/>
+            <a:r>
+              <a:rPr lang="en-US" sz="2006" dirty="0">
+                <a:latin typeface="Adobe Heiti Std R" panose="020B0400000000000000" pitchFamily="34" charset="-128"/>
+                <a:ea typeface="Adobe Heiti Std R" panose="020B0400000000000000" pitchFamily="34" charset="-128"/>
+              </a:rPr>
+              <a:t>Pitcher View</a:t>
+            </a:r>
+          </a:p>
+        </p:txBody>
+      </p:sp>
+      <p:sp>
+        <p:nvSpPr>
+          <p:cNvPr id="21" name="TextBox 20">
+            <a:extLst>
+              <a:ext uri="{FF2B5EF4-FFF2-40B4-BE49-F238E27FC236}">
+                <a16:creationId xmlns:a16="http://schemas.microsoft.com/office/drawing/2014/main" id="{A6B1890A-17ED-D116-BD09-EABD5F44D8C0}"/>
+              </a:ext>
+            </a:extLst>
+          </p:cNvPr>
+          <p:cNvSpPr txBox="1"/>
+          <p:nvPr/>
+        </p:nvSpPr>
+        <p:spPr>
+          <a:xfrm>
+            <a:off x="6185697" y="5720564"/>
+            <a:ext cx="3124897" cy="452732"/>
+          </a:xfrm>
+          <a:prstGeom prst="rect">
+            <a:avLst/>
+          </a:prstGeom>
+          <a:noFill/>
+          <a:ln w="12700" cap="flat">
+            <a:noFill/>
+            <a:miter lim="400000"/>
+          </a:ln>
+          <a:effectLst/>
+          <a:sp3d/>
+        </p:spPr>
+        <p:style>
+          <a:lnRef idx="0">
+            <a:scrgbClr r="0" g="0" b="0"/>
+          </a:lnRef>
+          <a:fillRef idx="0">
+            <a:scrgbClr r="0" g="0" b="0"/>
+          </a:fillRef>
+          <a:effectRef idx="0">
+            <a:scrgbClr r="0" g="0" b="0"/>
+          </a:effectRef>
+          <a:fontRef idx="none"/>
+        </p:style>
+        <p:txBody>
+          <a:bodyPr rot="0" spcFirstLastPara="1" vertOverflow="overflow" horzOverflow="overflow" vert="horz" wrap="square" lIns="63690" tIns="63690" rIns="63690" bIns="63690" numCol="1" spcCol="38100" rtlCol="0" anchor="ctr">
+            <a:spAutoFit/>
+          </a:bodyPr>
+          <a:lstStyle/>
+          <a:p>
+            <a:pPr defTabSz="2174033"/>
+            <a:r>
+              <a:rPr lang="en-US" sz="2006" dirty="0">
+                <a:latin typeface="Adobe Heiti Std R" panose="020B0400000000000000" pitchFamily="34" charset="-128"/>
+                <a:ea typeface="Adobe Heiti Std R" panose="020B0400000000000000" pitchFamily="34" charset="-128"/>
+              </a:rPr>
+              <a:t>Pitcher View</a:t>
+            </a:r>
+          </a:p>
+        </p:txBody>
+      </p:sp>
+      <p:sp>
+        <p:nvSpPr>
+          <p:cNvPr id="24" name="TextBox 23">
+            <a:extLst>
+              <a:ext uri="{FF2B5EF4-FFF2-40B4-BE49-F238E27FC236}">
+                <a16:creationId xmlns:a16="http://schemas.microsoft.com/office/drawing/2014/main" id="{563F7FDB-029A-B1A7-1E46-735543768CC0}"/>
+              </a:ext>
+            </a:extLst>
+          </p:cNvPr>
+          <p:cNvSpPr txBox="1"/>
+          <p:nvPr/>
+        </p:nvSpPr>
+        <p:spPr>
+          <a:xfrm>
+            <a:off x="3704163" y="1040627"/>
+            <a:ext cx="2202183" cy="259878"/>
+          </a:xfrm>
+          <a:prstGeom prst="rect">
+            <a:avLst/>
+          </a:prstGeom>
+          <a:solidFill>
+            <a:schemeClr val="bg2">
+              <a:lumMod val="10000"/>
+            </a:schemeClr>
+          </a:solidFill>
+          <a:ln w="12700" cap="flat">
+            <a:noFill/>
+            <a:miter lim="400000"/>
+          </a:ln>
+          <a:effectLst/>
+          <a:sp3d/>
+        </p:spPr>
+        <p:style>
+          <a:lnRef idx="0">
+            <a:scrgbClr r="0" g="0" b="0"/>
+          </a:lnRef>
+          <a:fillRef idx="0">
+            <a:scrgbClr r="0" g="0" b="0"/>
+          </a:fillRef>
+          <a:effectRef idx="0">
+            <a:scrgbClr r="0" g="0" b="0"/>
+          </a:effectRef>
+          <a:fontRef idx="none"/>
+        </p:style>
+        <p:txBody>
+          <a:bodyPr rot="0" spcFirstLastPara="1" vertOverflow="overflow" horzOverflow="overflow" vert="horz" wrap="square" lIns="63690" tIns="63690" rIns="63690" bIns="63690" numCol="1" spcCol="38100" rtlCol="0" anchor="ctr">
+            <a:spAutoFit/>
+          </a:bodyPr>
+          <a:lstStyle/>
+          <a:p>
+            <a:pPr defTabSz="2174033"/>
+            <a:r>
+              <a:rPr lang="en-US" sz="853" dirty="0">
+                <a:solidFill>
+                  <a:srgbClr val="FFF8DD"/>
+                </a:solidFill>
+                <a:latin typeface="Adobe Heiti Std R" panose="020B0400000000000000" pitchFamily="34" charset="-128"/>
+                <a:ea typeface="Adobe Heiti Std R" panose="020B0400000000000000" pitchFamily="34" charset="-128"/>
+              </a:rPr>
+              <a:t>Data From: 2023 WCL</a:t>
+            </a:r>
+          </a:p>
+        </p:txBody>
+      </p:sp>
+      <p:pic>
+        <p:nvPicPr>
+          <p:cNvPr id="1026" name="Picture 2" descr="Victoria HarbourCats - Teams">
+            <a:extLst>
+              <a:ext uri="{FF2B5EF4-FFF2-40B4-BE49-F238E27FC236}">
+                <a16:creationId xmlns:a16="http://schemas.microsoft.com/office/drawing/2014/main" id="{E2F00836-6828-5E61-D3DE-1B13DAC4C3A0}"/>
+              </a:ext>
+            </a:extLst>
+          </p:cNvPr>
+          <p:cNvPicPr>
+            <a:picLocks noChangeAspect="1" noChangeArrowheads="1"/>
+          </p:cNvPicPr>
+          <p:nvPr/>
+        </p:nvPicPr>
+        <p:blipFill>
+          <a:blip r:embed="rId3">
+            <a:extLst>
+              <a:ext uri="{28A0092B-C50C-407E-A947-70E740481C1C}">
+                <a14:useLocalDpi xmlns:a14="http://schemas.microsoft.com/office/drawing/2010/main" val="0"/>
+              </a:ext>
+            </a:extLst>
+          </a:blip>
+          <a:srcRect/>
+          <a:stretch>
+            <a:fillRect/>
+          </a:stretch>
+        </p:blipFill>
+        <p:spPr bwMode="auto">
+          <a:xfrm>
+            <a:off x="4363102" y="1157826"/>
+            <a:ext cx="874996" cy="874996"/>
+          </a:xfrm>
+          <a:prstGeom prst="rect">
+            <a:avLst/>
+          </a:prstGeom>
+          <a:noFill/>
+          <a:extLst>
+            <a:ext uri="{909E8E84-426E-40DD-AFC4-6F175D3DCCD1}">
+              <a14:hiddenFill xmlns:a14="http://schemas.microsoft.com/office/drawing/2010/main">
+                <a:solidFill>
+                  <a:srgbClr val="FFFFFF"/>
+                </a:solidFill>
+              </a14:hiddenFill>
+            </a:ext>
+          </a:extLst>
+        </p:spPr>
+      </p:pic>
+    </p:spTree>
+    <p:extLst>
+      <p:ext uri="{BB962C8B-B14F-4D97-AF65-F5344CB8AC3E}">
+        <p14:creationId xmlns:p14="http://schemas.microsoft.com/office/powerpoint/2010/main" val="1056054076"/>
+      </p:ext>
+    </p:extLst>
+  </p:cSld>
+  <p:clrMapOvr>
+    <a:masterClrMapping/>
+  </p:clrMapOvr>
+  <p:transition spd="med"/>
+</p:sld>
+</file>
+
+<file path=ppt/slides/slide38.xml><?xml version="1.0" encoding="utf-8"?>
+<p:sld xmlns:a="http://schemas.openxmlformats.org/drawingml/2006/main" xmlns:r="http://schemas.openxmlformats.org/officeDocument/2006/relationships" xmlns:p="http://schemas.openxmlformats.org/presentationml/2006/main">
+  <p:cSld>
+    <p:bg>
+      <p:bgPr>
+        <a:solidFill>
+          <a:srgbClr val="E6E6E6"/>
+        </a:solidFill>
+        <a:effectLst/>
+      </p:bgPr>
+    </p:bg>
+    <p:spTree>
+      <p:nvGrpSpPr>
+        <p:cNvPr id="1" name=""/>
+        <p:cNvGrpSpPr/>
+        <p:nvPr/>
+      </p:nvGrpSpPr>
+      <p:grpSpPr>
+        <a:xfrm>
+          <a:off x="0" y="0"/>
+          <a:ext cx="0" cy="0"/>
+          <a:chOff x="0" y="0"/>
+          <a:chExt cx="0" cy="0"/>
+        </a:xfrm>
+      </p:grpSpPr>
+      <p:sp>
+        <p:nvSpPr>
+          <p:cNvPr id="2" name="Title 1">
+            <a:extLst>
+              <a:ext uri="{FF2B5EF4-FFF2-40B4-BE49-F238E27FC236}">
+                <a16:creationId xmlns:a16="http://schemas.microsoft.com/office/drawing/2014/main" id="{143E107D-82C5-A8D7-E36A-F6269113FA63}"/>
+              </a:ext>
+            </a:extLst>
+          </p:cNvPr>
+          <p:cNvSpPr>
+            <a:spLocks noGrp="1"/>
+          </p:cNvSpPr>
+          <p:nvPr>
+            <p:ph type="title"/>
+          </p:nvPr>
+        </p:nvSpPr>
+        <p:spPr>
+          <a:xfrm>
+            <a:off x="3704163" y="775389"/>
+            <a:ext cx="2190928" cy="382437"/>
+          </a:xfrm>
+          <a:solidFill>
+            <a:schemeClr val="bg2">
+              <a:lumMod val="10000"/>
+            </a:schemeClr>
+          </a:solidFill>
+        </p:spPr>
+        <p:txBody>
+          <a:bodyPr>
+            <a:normAutofit/>
+          </a:bodyPr>
+          <a:lstStyle/>
+          <a:p>
+            <a:pPr algn="ctr"/>
+            <a:endParaRPr lang="en-US" sz="1416" dirty="0">
+              <a:solidFill>
+                <a:srgbClr val="FFF8DD"/>
+              </a:solidFill>
+              <a:latin typeface="Adobe Heiti Std R" panose="020B0400000000000000" pitchFamily="34" charset="-128"/>
+              <a:ea typeface="Adobe Heiti Std R" panose="020B0400000000000000" pitchFamily="34" charset="-128"/>
+            </a:endParaRPr>
+          </a:p>
+        </p:txBody>
+      </p:sp>
+      <p:pic>
+        <p:nvPicPr>
+          <p:cNvPr id="10" name="Picture 9">
+            <a:extLst>
+              <a:ext uri="{FF2B5EF4-FFF2-40B4-BE49-F238E27FC236}">
+                <a16:creationId xmlns:a16="http://schemas.microsoft.com/office/drawing/2014/main" id="{4630D6F0-2EBD-26C2-4AFC-12A561AF46F7}"/>
+              </a:ext>
+            </a:extLst>
+          </p:cNvPr>
+          <p:cNvPicPr>
+            <a:picLocks noChangeAspect="1"/>
+          </p:cNvPicPr>
+          <p:nvPr/>
+        </p:nvPicPr>
+        <p:blipFill rotWithShape="1">
+          <a:blip r:embed="rId2"/>
+          <a:srcRect l="2765" t="3235" r="4514" b="2752"/>
+          <a:stretch/>
+        </p:blipFill>
+        <p:spPr>
+          <a:xfrm>
+            <a:off x="102515" y="3600584"/>
+            <a:ext cx="1624476" cy="1882966"/>
+          </a:xfrm>
+          <a:prstGeom prst="rect">
+            <a:avLst/>
+          </a:prstGeom>
+        </p:spPr>
+      </p:pic>
+      <p:sp>
+        <p:nvSpPr>
+          <p:cNvPr id="11" name="TextBox 10">
+            <a:extLst>
+              <a:ext uri="{FF2B5EF4-FFF2-40B4-BE49-F238E27FC236}">
+                <a16:creationId xmlns:a16="http://schemas.microsoft.com/office/drawing/2014/main" id="{F669A892-4F8F-3938-8349-524498C48F96}"/>
+              </a:ext>
+            </a:extLst>
+          </p:cNvPr>
+          <p:cNvSpPr txBox="1"/>
+          <p:nvPr/>
+        </p:nvSpPr>
+        <p:spPr>
+          <a:xfrm>
+            <a:off x="113973" y="4840574"/>
+            <a:ext cx="1615179" cy="629854"/>
+          </a:xfrm>
+          <a:prstGeom prst="rect">
+            <a:avLst/>
+          </a:prstGeom>
+          <a:solidFill>
+            <a:srgbClr val="0070C0">
+              <a:alpha val="40000"/>
+            </a:srgbClr>
+          </a:solidFill>
+          <a:ln w="12700" cap="flat">
+            <a:noFill/>
+            <a:miter lim="400000"/>
+          </a:ln>
+          <a:effectLst/>
+          <a:sp3d/>
+        </p:spPr>
+        <p:style>
+          <a:lnRef idx="0">
+            <a:scrgbClr r="0" g="0" b="0"/>
+          </a:lnRef>
+          <a:fillRef idx="0">
+            <a:scrgbClr r="0" g="0" b="0"/>
+          </a:fillRef>
+          <a:effectRef idx="0">
+            <a:scrgbClr r="0" g="0" b="0"/>
+          </a:effectRef>
+          <a:fontRef idx="none"/>
+        </p:style>
+        <p:txBody>
+          <a:bodyPr rot="0" spcFirstLastPara="1" vertOverflow="overflow" horzOverflow="overflow" vert="horz" wrap="square" lIns="63690" tIns="63690" rIns="63690" bIns="63690" numCol="1" spcCol="38100" rtlCol="0" anchor="ctr">
+            <a:noAutofit/>
+          </a:bodyPr>
+          <a:lstStyle/>
+          <a:p>
+            <a:pPr defTabSz="2174033"/>
+            <a:r>
+              <a:rPr lang="en-US" sz="4012" dirty="0">
+                <a:solidFill>
+                  <a:schemeClr val="bg2">
+                    <a:lumMod val="10000"/>
+                  </a:schemeClr>
+                </a:solidFill>
+                <a:latin typeface="Adobe Heiti Std R" panose="020B0400000000000000" pitchFamily="34" charset="-128"/>
+                <a:ea typeface="Adobe Heiti Std R" panose="020B0400000000000000" pitchFamily="34" charset="-128"/>
+              </a:rPr>
+              <a:t>.</a:t>
+            </a:r>
+          </a:p>
+        </p:txBody>
+      </p:sp>
+      <p:sp>
+        <p:nvSpPr>
+          <p:cNvPr id="12" name="TextBox 11">
+            <a:extLst>
+              <a:ext uri="{FF2B5EF4-FFF2-40B4-BE49-F238E27FC236}">
+                <a16:creationId xmlns:a16="http://schemas.microsoft.com/office/drawing/2014/main" id="{C41C791E-B917-F6D1-86F1-B3D50093513B}"/>
+              </a:ext>
+            </a:extLst>
+          </p:cNvPr>
+          <p:cNvSpPr txBox="1"/>
+          <p:nvPr/>
+        </p:nvSpPr>
+        <p:spPr>
+          <a:xfrm>
+            <a:off x="100357" y="3589216"/>
+            <a:ext cx="1615180" cy="638692"/>
+          </a:xfrm>
+          <a:prstGeom prst="rect">
+            <a:avLst/>
+          </a:prstGeom>
+          <a:solidFill>
+            <a:srgbClr val="FF0000">
+              <a:alpha val="40000"/>
+            </a:srgbClr>
+          </a:solidFill>
+          <a:ln w="12700" cap="flat">
+            <a:noFill/>
+            <a:miter lim="400000"/>
+          </a:ln>
+          <a:effectLst/>
+          <a:sp3d/>
+        </p:spPr>
+        <p:style>
+          <a:lnRef idx="0">
+            <a:scrgbClr r="0" g="0" b="0"/>
+          </a:lnRef>
+          <a:fillRef idx="0">
+            <a:scrgbClr r="0" g="0" b="0"/>
+          </a:fillRef>
+          <a:effectRef idx="0">
+            <a:scrgbClr r="0" g="0" b="0"/>
+          </a:effectRef>
+          <a:fontRef idx="none"/>
+        </p:style>
+        <p:txBody>
+          <a:bodyPr rot="0" spcFirstLastPara="1" vertOverflow="overflow" horzOverflow="overflow" vert="horz" wrap="square" lIns="63690" tIns="63690" rIns="63690" bIns="63690" numCol="1" spcCol="38100" rtlCol="0" anchor="ctr">
+            <a:noAutofit/>
+          </a:bodyPr>
+          <a:lstStyle/>
+          <a:p>
+            <a:pPr defTabSz="2174033"/>
+            <a:r>
+              <a:rPr lang="en-US" sz="4012" dirty="0">
+                <a:solidFill>
+                  <a:schemeClr val="bg2">
+                    <a:lumMod val="10000"/>
+                  </a:schemeClr>
+                </a:solidFill>
+                <a:latin typeface="Adobe Heiti Std R" panose="020B0400000000000000" pitchFamily="34" charset="-128"/>
+                <a:ea typeface="Adobe Heiti Std R" panose="020B0400000000000000" pitchFamily="34" charset="-128"/>
+              </a:rPr>
+              <a:t>.</a:t>
+            </a:r>
+          </a:p>
+        </p:txBody>
+      </p:sp>
+      <p:pic>
+        <p:nvPicPr>
+          <p:cNvPr id="15" name="Picture 14">
+            <a:extLst>
+              <a:ext uri="{FF2B5EF4-FFF2-40B4-BE49-F238E27FC236}">
+                <a16:creationId xmlns:a16="http://schemas.microsoft.com/office/drawing/2014/main" id="{7C4862FF-AF3B-25FB-E78C-B0D65FF40F20}"/>
+              </a:ext>
+            </a:extLst>
+          </p:cNvPr>
+          <p:cNvPicPr>
+            <a:picLocks noChangeAspect="1"/>
+          </p:cNvPicPr>
+          <p:nvPr/>
+        </p:nvPicPr>
+        <p:blipFill rotWithShape="1">
+          <a:blip r:embed="rId2"/>
+          <a:srcRect l="2765" t="3235" r="4514" b="2752"/>
+          <a:stretch/>
+        </p:blipFill>
+        <p:spPr>
+          <a:xfrm>
+            <a:off x="7881355" y="3600585"/>
+            <a:ext cx="1624476" cy="1882966"/>
+          </a:xfrm>
+          <a:prstGeom prst="rect">
+            <a:avLst/>
+          </a:prstGeom>
+        </p:spPr>
+      </p:pic>
+      <p:sp>
+        <p:nvSpPr>
+          <p:cNvPr id="16" name="TextBox 15">
+            <a:extLst>
+              <a:ext uri="{FF2B5EF4-FFF2-40B4-BE49-F238E27FC236}">
+                <a16:creationId xmlns:a16="http://schemas.microsoft.com/office/drawing/2014/main" id="{1BA9EF95-9700-F87D-00B8-68DF273E5A99}"/>
+              </a:ext>
+            </a:extLst>
+          </p:cNvPr>
+          <p:cNvSpPr txBox="1"/>
+          <p:nvPr/>
+        </p:nvSpPr>
+        <p:spPr>
+          <a:xfrm>
+            <a:off x="7892813" y="4840574"/>
+            <a:ext cx="1615179" cy="629854"/>
+          </a:xfrm>
+          <a:prstGeom prst="rect">
+            <a:avLst/>
+          </a:prstGeom>
+          <a:solidFill>
+            <a:srgbClr val="0070C0">
+              <a:alpha val="40000"/>
+            </a:srgbClr>
+          </a:solidFill>
+          <a:ln w="12700" cap="flat">
+            <a:noFill/>
+            <a:miter lim="400000"/>
+          </a:ln>
+          <a:effectLst/>
+          <a:sp3d/>
+        </p:spPr>
+        <p:style>
+          <a:lnRef idx="0">
+            <a:scrgbClr r="0" g="0" b="0"/>
+          </a:lnRef>
+          <a:fillRef idx="0">
+            <a:scrgbClr r="0" g="0" b="0"/>
+          </a:fillRef>
+          <a:effectRef idx="0">
+            <a:scrgbClr r="0" g="0" b="0"/>
+          </a:effectRef>
+          <a:fontRef idx="none"/>
+        </p:style>
+        <p:txBody>
+          <a:bodyPr rot="0" spcFirstLastPara="1" vertOverflow="overflow" horzOverflow="overflow" vert="horz" wrap="square" lIns="63690" tIns="63690" rIns="63690" bIns="63690" numCol="1" spcCol="38100" rtlCol="0" anchor="ctr">
+            <a:noAutofit/>
+          </a:bodyPr>
+          <a:lstStyle/>
+          <a:p>
+            <a:pPr defTabSz="2174033"/>
+            <a:r>
+              <a:rPr lang="en-US" sz="4012" dirty="0">
+                <a:solidFill>
+                  <a:schemeClr val="bg2">
+                    <a:lumMod val="10000"/>
+                  </a:schemeClr>
+                </a:solidFill>
+                <a:latin typeface="Adobe Heiti Std R" panose="020B0400000000000000" pitchFamily="34" charset="-128"/>
+                <a:ea typeface="Adobe Heiti Std R" panose="020B0400000000000000" pitchFamily="34" charset="-128"/>
+              </a:rPr>
+              <a:t>.</a:t>
+            </a:r>
+          </a:p>
+        </p:txBody>
+      </p:sp>
+      <p:sp>
+        <p:nvSpPr>
+          <p:cNvPr id="17" name="TextBox 16">
+            <a:extLst>
+              <a:ext uri="{FF2B5EF4-FFF2-40B4-BE49-F238E27FC236}">
+                <a16:creationId xmlns:a16="http://schemas.microsoft.com/office/drawing/2014/main" id="{E2B4FC15-16A8-AC78-D240-ACDBA742AD0C}"/>
+              </a:ext>
+            </a:extLst>
+          </p:cNvPr>
+          <p:cNvSpPr txBox="1"/>
+          <p:nvPr/>
+        </p:nvSpPr>
+        <p:spPr>
+          <a:xfrm>
+            <a:off x="7879197" y="3589216"/>
+            <a:ext cx="1615180" cy="638691"/>
+          </a:xfrm>
+          <a:prstGeom prst="rect">
+            <a:avLst/>
+          </a:prstGeom>
+          <a:solidFill>
+            <a:srgbClr val="FF0000">
+              <a:alpha val="40000"/>
+            </a:srgbClr>
+          </a:solidFill>
+          <a:ln w="12700" cap="flat">
+            <a:noFill/>
+            <a:miter lim="400000"/>
+          </a:ln>
+          <a:effectLst/>
+          <a:sp3d/>
+        </p:spPr>
+        <p:style>
+          <a:lnRef idx="0">
+            <a:scrgbClr r="0" g="0" b="0"/>
+          </a:lnRef>
+          <a:fillRef idx="0">
+            <a:scrgbClr r="0" g="0" b="0"/>
+          </a:fillRef>
+          <a:effectRef idx="0">
+            <a:scrgbClr r="0" g="0" b="0"/>
+          </a:effectRef>
+          <a:fontRef idx="none"/>
+        </p:style>
+        <p:txBody>
+          <a:bodyPr rot="0" spcFirstLastPara="1" vertOverflow="overflow" horzOverflow="overflow" vert="horz" wrap="square" lIns="63690" tIns="63690" rIns="63690" bIns="63690" numCol="1" spcCol="38100" rtlCol="0" anchor="ctr">
+            <a:noAutofit/>
+          </a:bodyPr>
+          <a:lstStyle/>
+          <a:p>
+            <a:pPr defTabSz="2174033"/>
+            <a:r>
+              <a:rPr lang="en-US" sz="4012" dirty="0">
+                <a:solidFill>
+                  <a:schemeClr val="bg2">
+                    <a:lumMod val="10000"/>
+                  </a:schemeClr>
+                </a:solidFill>
+                <a:latin typeface="Adobe Heiti Std R" panose="020B0400000000000000" pitchFamily="34" charset="-128"/>
+                <a:ea typeface="Adobe Heiti Std R" panose="020B0400000000000000" pitchFamily="34" charset="-128"/>
+              </a:rPr>
+              <a:t>.</a:t>
+            </a:r>
+          </a:p>
+        </p:txBody>
+      </p:sp>
+      <p:sp>
+        <p:nvSpPr>
+          <p:cNvPr id="20" name="TextBox 19">
+            <a:extLst>
+              <a:ext uri="{FF2B5EF4-FFF2-40B4-BE49-F238E27FC236}">
+                <a16:creationId xmlns:a16="http://schemas.microsoft.com/office/drawing/2014/main" id="{7249792B-49D1-5427-2F17-675FB6D7806C}"/>
+              </a:ext>
+            </a:extLst>
+          </p:cNvPr>
+          <p:cNvSpPr txBox="1"/>
+          <p:nvPr/>
+        </p:nvSpPr>
+        <p:spPr>
+          <a:xfrm>
+            <a:off x="318992" y="5731931"/>
+            <a:ext cx="3124897" cy="452732"/>
+          </a:xfrm>
+          <a:prstGeom prst="rect">
+            <a:avLst/>
+          </a:prstGeom>
+          <a:noFill/>
+          <a:ln w="12700" cap="flat">
+            <a:noFill/>
+            <a:miter lim="400000"/>
+          </a:ln>
+          <a:effectLst/>
+          <a:sp3d/>
+        </p:spPr>
+        <p:style>
+          <a:lnRef idx="0">
+            <a:scrgbClr r="0" g="0" b="0"/>
+          </a:lnRef>
+          <a:fillRef idx="0">
+            <a:scrgbClr r="0" g="0" b="0"/>
+          </a:fillRef>
+          <a:effectRef idx="0">
+            <a:scrgbClr r="0" g="0" b="0"/>
+          </a:effectRef>
+          <a:fontRef idx="none"/>
+        </p:style>
+        <p:txBody>
+          <a:bodyPr rot="0" spcFirstLastPara="1" vertOverflow="overflow" horzOverflow="overflow" vert="horz" wrap="square" lIns="63690" tIns="63690" rIns="63690" bIns="63690" numCol="1" spcCol="38100" rtlCol="0" anchor="ctr">
+            <a:spAutoFit/>
+          </a:bodyPr>
+          <a:lstStyle/>
+          <a:p>
+            <a:pPr defTabSz="2174033"/>
+            <a:r>
+              <a:rPr lang="en-US" sz="2006" dirty="0">
+                <a:latin typeface="Adobe Heiti Std R" panose="020B0400000000000000" pitchFamily="34" charset="-128"/>
+                <a:ea typeface="Adobe Heiti Std R" panose="020B0400000000000000" pitchFamily="34" charset="-128"/>
+              </a:rPr>
+              <a:t>Pitcher View</a:t>
+            </a:r>
+          </a:p>
+        </p:txBody>
+      </p:sp>
+      <p:sp>
+        <p:nvSpPr>
+          <p:cNvPr id="21" name="TextBox 20">
+            <a:extLst>
+              <a:ext uri="{FF2B5EF4-FFF2-40B4-BE49-F238E27FC236}">
+                <a16:creationId xmlns:a16="http://schemas.microsoft.com/office/drawing/2014/main" id="{A6B1890A-17ED-D116-BD09-EABD5F44D8C0}"/>
+              </a:ext>
+            </a:extLst>
+          </p:cNvPr>
+          <p:cNvSpPr txBox="1"/>
+          <p:nvPr/>
+        </p:nvSpPr>
+        <p:spPr>
+          <a:xfrm>
+            <a:off x="6185697" y="5720564"/>
+            <a:ext cx="3124897" cy="452732"/>
+          </a:xfrm>
+          <a:prstGeom prst="rect">
+            <a:avLst/>
+          </a:prstGeom>
+          <a:noFill/>
+          <a:ln w="12700" cap="flat">
+            <a:noFill/>
+            <a:miter lim="400000"/>
+          </a:ln>
+          <a:effectLst/>
+          <a:sp3d/>
+        </p:spPr>
+        <p:style>
+          <a:lnRef idx="0">
+            <a:scrgbClr r="0" g="0" b="0"/>
+          </a:lnRef>
+          <a:fillRef idx="0">
+            <a:scrgbClr r="0" g="0" b="0"/>
+          </a:fillRef>
+          <a:effectRef idx="0">
+            <a:scrgbClr r="0" g="0" b="0"/>
+          </a:effectRef>
+          <a:fontRef idx="none"/>
+        </p:style>
+        <p:txBody>
+          <a:bodyPr rot="0" spcFirstLastPara="1" vertOverflow="overflow" horzOverflow="overflow" vert="horz" wrap="square" lIns="63690" tIns="63690" rIns="63690" bIns="63690" numCol="1" spcCol="38100" rtlCol="0" anchor="ctr">
+            <a:spAutoFit/>
+          </a:bodyPr>
+          <a:lstStyle/>
+          <a:p>
+            <a:pPr defTabSz="2174033"/>
+            <a:r>
+              <a:rPr lang="en-US" sz="2006" dirty="0">
+                <a:latin typeface="Adobe Heiti Std R" panose="020B0400000000000000" pitchFamily="34" charset="-128"/>
+                <a:ea typeface="Adobe Heiti Std R" panose="020B0400000000000000" pitchFamily="34" charset="-128"/>
+              </a:rPr>
+              <a:t>Pitcher View</a:t>
+            </a:r>
+          </a:p>
+        </p:txBody>
+      </p:sp>
+      <p:sp>
+        <p:nvSpPr>
+          <p:cNvPr id="24" name="TextBox 23">
+            <a:extLst>
+              <a:ext uri="{FF2B5EF4-FFF2-40B4-BE49-F238E27FC236}">
+                <a16:creationId xmlns:a16="http://schemas.microsoft.com/office/drawing/2014/main" id="{563F7FDB-029A-B1A7-1E46-735543768CC0}"/>
+              </a:ext>
+            </a:extLst>
+          </p:cNvPr>
+          <p:cNvSpPr txBox="1"/>
+          <p:nvPr/>
+        </p:nvSpPr>
+        <p:spPr>
+          <a:xfrm>
+            <a:off x="3704163" y="1040627"/>
+            <a:ext cx="2202183" cy="259878"/>
+          </a:xfrm>
+          <a:prstGeom prst="rect">
+            <a:avLst/>
+          </a:prstGeom>
+          <a:solidFill>
+            <a:schemeClr val="bg2">
+              <a:lumMod val="10000"/>
+            </a:schemeClr>
+          </a:solidFill>
+          <a:ln w="12700" cap="flat">
+            <a:noFill/>
+            <a:miter lim="400000"/>
+          </a:ln>
+          <a:effectLst/>
+          <a:sp3d/>
+        </p:spPr>
+        <p:style>
+          <a:lnRef idx="0">
+            <a:scrgbClr r="0" g="0" b="0"/>
+          </a:lnRef>
+          <a:fillRef idx="0">
+            <a:scrgbClr r="0" g="0" b="0"/>
+          </a:fillRef>
+          <a:effectRef idx="0">
+            <a:scrgbClr r="0" g="0" b="0"/>
+          </a:effectRef>
+          <a:fontRef idx="none"/>
+        </p:style>
+        <p:txBody>
+          <a:bodyPr rot="0" spcFirstLastPara="1" vertOverflow="overflow" horzOverflow="overflow" vert="horz" wrap="square" lIns="63690" tIns="63690" rIns="63690" bIns="63690" numCol="1" spcCol="38100" rtlCol="0" anchor="ctr">
+            <a:spAutoFit/>
+          </a:bodyPr>
+          <a:lstStyle/>
+          <a:p>
+            <a:pPr defTabSz="2174033"/>
+            <a:r>
+              <a:rPr lang="en-US" sz="853" dirty="0">
+                <a:solidFill>
+                  <a:srgbClr val="FFF8DD"/>
+                </a:solidFill>
+                <a:latin typeface="Adobe Heiti Std R" panose="020B0400000000000000" pitchFamily="34" charset="-128"/>
+                <a:ea typeface="Adobe Heiti Std R" panose="020B0400000000000000" pitchFamily="34" charset="-128"/>
+              </a:rPr>
+              <a:t>Data From: 2023 WCL</a:t>
+            </a:r>
+          </a:p>
+        </p:txBody>
+      </p:sp>
+      <p:pic>
+        <p:nvPicPr>
+          <p:cNvPr id="1026" name="Picture 2" descr="Victoria HarbourCats - Teams">
+            <a:extLst>
+              <a:ext uri="{FF2B5EF4-FFF2-40B4-BE49-F238E27FC236}">
+                <a16:creationId xmlns:a16="http://schemas.microsoft.com/office/drawing/2014/main" id="{E2F00836-6828-5E61-D3DE-1B13DAC4C3A0}"/>
+              </a:ext>
+            </a:extLst>
+          </p:cNvPr>
+          <p:cNvPicPr>
+            <a:picLocks noChangeAspect="1" noChangeArrowheads="1"/>
+          </p:cNvPicPr>
+          <p:nvPr/>
+        </p:nvPicPr>
+        <p:blipFill>
+          <a:blip r:embed="rId3">
+            <a:extLst>
+              <a:ext uri="{28A0092B-C50C-407E-A947-70E740481C1C}">
+                <a14:useLocalDpi xmlns:a14="http://schemas.microsoft.com/office/drawing/2010/main" val="0"/>
+              </a:ext>
+            </a:extLst>
+          </a:blip>
+          <a:srcRect/>
+          <a:stretch>
+            <a:fillRect/>
+          </a:stretch>
+        </p:blipFill>
+        <p:spPr bwMode="auto">
+          <a:xfrm>
+            <a:off x="4363102" y="1157826"/>
+            <a:ext cx="874996" cy="874996"/>
+          </a:xfrm>
+          <a:prstGeom prst="rect">
+            <a:avLst/>
+          </a:prstGeom>
+          <a:noFill/>
+          <a:extLst>
+            <a:ext uri="{909E8E84-426E-40DD-AFC4-6F175D3DCCD1}">
+              <a14:hiddenFill xmlns:a14="http://schemas.microsoft.com/office/drawing/2010/main">
+                <a:solidFill>
+                  <a:srgbClr val="FFFFFF"/>
+                </a:solidFill>
+              </a14:hiddenFill>
+            </a:ext>
+          </a:extLst>
+        </p:spPr>
+      </p:pic>
+    </p:spTree>
+    <p:extLst>
+      <p:ext uri="{BB962C8B-B14F-4D97-AF65-F5344CB8AC3E}">
+        <p14:creationId xmlns:p14="http://schemas.microsoft.com/office/powerpoint/2010/main" val="1246225842"/>
       </p:ext>
     </p:extLst>
   </p:cSld>
@@ -22832,10 +24094,10 @@
       </p:sp>
       <p:pic>
         <p:nvPicPr>
-          <p:cNvPr id="1026" name="Picture 2" descr="Drifters Central - Drifters Baseball">
-            <a:extLst>
-              <a:ext uri="{FF2B5EF4-FFF2-40B4-BE49-F238E27FC236}">
-                <a16:creationId xmlns:a16="http://schemas.microsoft.com/office/drawing/2014/main" id="{71DE0A74-EC67-5648-CC1C-502F504CE6B6}"/>
+          <p:cNvPr id="1026" name="Picture 2" descr="Victoria HarbourCats - Teams">
+            <a:extLst>
+              <a:ext uri="{FF2B5EF4-FFF2-40B4-BE49-F238E27FC236}">
+                <a16:creationId xmlns:a16="http://schemas.microsoft.com/office/drawing/2014/main" id="{E2F00836-6828-5E61-D3DE-1B13DAC4C3A0}"/>
               </a:ext>
             </a:extLst>
           </p:cNvPr>
@@ -22845,7 +24107,7 @@
           <p:nvPr/>
         </p:nvPicPr>
         <p:blipFill>
-          <a:blip r:embed="rId3" cstate="print">
+          <a:blip r:embed="rId3">
             <a:extLst>
               <a:ext uri="{28A0092B-C50C-407E-A947-70E740481C1C}">
                 <a14:useLocalDpi xmlns:a14="http://schemas.microsoft.com/office/drawing/2010/main" val="0"/>
@@ -22859,8 +24121,8 @@
         </p:blipFill>
         <p:spPr bwMode="auto">
           <a:xfrm>
-            <a:off x="4383351" y="1370752"/>
-            <a:ext cx="832551" cy="654255"/>
+            <a:off x="4363102" y="1157826"/>
+            <a:ext cx="874996" cy="874996"/>
           </a:xfrm>
           <a:prstGeom prst="rect">
             <a:avLst/>
@@ -22880,7 +24142,7 @@
     </p:spTree>
     <p:extLst>
       <p:ext uri="{BB962C8B-B14F-4D97-AF65-F5344CB8AC3E}">
-        <p14:creationId xmlns:p14="http://schemas.microsoft.com/office/powerpoint/2010/main" val="2345830709"/>
+        <p14:creationId xmlns:p14="http://schemas.microsoft.com/office/powerpoint/2010/main" val="2613821938"/>
       </p:ext>
     </p:extLst>
   </p:cSld>
@@ -23462,10 +24724,10 @@
       </p:sp>
       <p:pic>
         <p:nvPicPr>
-          <p:cNvPr id="1026" name="Picture 2" descr="Drifters Central - Drifters Baseball">
-            <a:extLst>
-              <a:ext uri="{FF2B5EF4-FFF2-40B4-BE49-F238E27FC236}">
-                <a16:creationId xmlns:a16="http://schemas.microsoft.com/office/drawing/2014/main" id="{71DE0A74-EC67-5648-CC1C-502F504CE6B6}"/>
+          <p:cNvPr id="1026" name="Picture 2" descr="Victoria HarbourCats - Teams">
+            <a:extLst>
+              <a:ext uri="{FF2B5EF4-FFF2-40B4-BE49-F238E27FC236}">
+                <a16:creationId xmlns:a16="http://schemas.microsoft.com/office/drawing/2014/main" id="{E2F00836-6828-5E61-D3DE-1B13DAC4C3A0}"/>
               </a:ext>
             </a:extLst>
           </p:cNvPr>
@@ -23475,7 +24737,7 @@
           <p:nvPr/>
         </p:nvPicPr>
         <p:blipFill>
-          <a:blip r:embed="rId3" cstate="print">
+          <a:blip r:embed="rId3">
             <a:extLst>
               <a:ext uri="{28A0092B-C50C-407E-A947-70E740481C1C}">
                 <a14:useLocalDpi xmlns:a14="http://schemas.microsoft.com/office/drawing/2010/main" val="0"/>
@@ -23489,8 +24751,8 @@
         </p:blipFill>
         <p:spPr bwMode="auto">
           <a:xfrm>
-            <a:off x="4383351" y="1370752"/>
-            <a:ext cx="832551" cy="654255"/>
+            <a:off x="4363102" y="1157826"/>
+            <a:ext cx="874996" cy="874996"/>
           </a:xfrm>
           <a:prstGeom prst="rect">
             <a:avLst/>
@@ -23510,7 +24772,7 @@
     </p:spTree>
     <p:extLst>
       <p:ext uri="{BB962C8B-B14F-4D97-AF65-F5344CB8AC3E}">
-        <p14:creationId xmlns:p14="http://schemas.microsoft.com/office/powerpoint/2010/main" val="551524783"/>
+        <p14:creationId xmlns:p14="http://schemas.microsoft.com/office/powerpoint/2010/main" val="589104007"/>
       </p:ext>
     </p:extLst>
   </p:cSld>
@@ -24092,10 +25354,10 @@
       </p:sp>
       <p:pic>
         <p:nvPicPr>
-          <p:cNvPr id="1026" name="Picture 2" descr="Drifters Central - Drifters Baseball">
-            <a:extLst>
-              <a:ext uri="{FF2B5EF4-FFF2-40B4-BE49-F238E27FC236}">
-                <a16:creationId xmlns:a16="http://schemas.microsoft.com/office/drawing/2014/main" id="{71DE0A74-EC67-5648-CC1C-502F504CE6B6}"/>
+          <p:cNvPr id="1026" name="Picture 2" descr="Victoria HarbourCats - Teams">
+            <a:extLst>
+              <a:ext uri="{FF2B5EF4-FFF2-40B4-BE49-F238E27FC236}">
+                <a16:creationId xmlns:a16="http://schemas.microsoft.com/office/drawing/2014/main" id="{E2F00836-6828-5E61-D3DE-1B13DAC4C3A0}"/>
               </a:ext>
             </a:extLst>
           </p:cNvPr>
@@ -24105,7 +25367,7 @@
           <p:nvPr/>
         </p:nvPicPr>
         <p:blipFill>
-          <a:blip r:embed="rId3" cstate="print">
+          <a:blip r:embed="rId3">
             <a:extLst>
               <a:ext uri="{28A0092B-C50C-407E-A947-70E740481C1C}">
                 <a14:useLocalDpi xmlns:a14="http://schemas.microsoft.com/office/drawing/2010/main" val="0"/>
@@ -24119,8 +25381,8 @@
         </p:blipFill>
         <p:spPr bwMode="auto">
           <a:xfrm>
-            <a:off x="4383351" y="1370752"/>
-            <a:ext cx="832551" cy="654255"/>
+            <a:off x="4363102" y="1157826"/>
+            <a:ext cx="874996" cy="874996"/>
           </a:xfrm>
           <a:prstGeom prst="rect">
             <a:avLst/>
@@ -24140,7 +25402,7 @@
     </p:spTree>
     <p:extLst>
       <p:ext uri="{BB962C8B-B14F-4D97-AF65-F5344CB8AC3E}">
-        <p14:creationId xmlns:p14="http://schemas.microsoft.com/office/powerpoint/2010/main" val="2578491859"/>
+        <p14:creationId xmlns:p14="http://schemas.microsoft.com/office/powerpoint/2010/main" val="3272414708"/>
       </p:ext>
     </p:extLst>
   </p:cSld>
@@ -24722,10 +25984,10 @@
       </p:sp>
       <p:pic>
         <p:nvPicPr>
-          <p:cNvPr id="1026" name="Picture 2" descr="Drifters Central - Drifters Baseball">
-            <a:extLst>
-              <a:ext uri="{FF2B5EF4-FFF2-40B4-BE49-F238E27FC236}">
-                <a16:creationId xmlns:a16="http://schemas.microsoft.com/office/drawing/2014/main" id="{71DE0A74-EC67-5648-CC1C-502F504CE6B6}"/>
+          <p:cNvPr id="1026" name="Picture 2" descr="Victoria HarbourCats - Teams">
+            <a:extLst>
+              <a:ext uri="{FF2B5EF4-FFF2-40B4-BE49-F238E27FC236}">
+                <a16:creationId xmlns:a16="http://schemas.microsoft.com/office/drawing/2014/main" id="{E2F00836-6828-5E61-D3DE-1B13DAC4C3A0}"/>
               </a:ext>
             </a:extLst>
           </p:cNvPr>
@@ -24735,7 +25997,7 @@
           <p:nvPr/>
         </p:nvPicPr>
         <p:blipFill>
-          <a:blip r:embed="rId3" cstate="print">
+          <a:blip r:embed="rId3">
             <a:extLst>
               <a:ext uri="{28A0092B-C50C-407E-A947-70E740481C1C}">
                 <a14:useLocalDpi xmlns:a14="http://schemas.microsoft.com/office/drawing/2010/main" val="0"/>
@@ -24749,8 +26011,8 @@
         </p:blipFill>
         <p:spPr bwMode="auto">
           <a:xfrm>
-            <a:off x="4383351" y="1370752"/>
-            <a:ext cx="832551" cy="654255"/>
+            <a:off x="4363102" y="1157826"/>
+            <a:ext cx="874996" cy="874996"/>
           </a:xfrm>
           <a:prstGeom prst="rect">
             <a:avLst/>
@@ -24770,7 +26032,7 @@
     </p:spTree>
     <p:extLst>
       <p:ext uri="{BB962C8B-B14F-4D97-AF65-F5344CB8AC3E}">
-        <p14:creationId xmlns:p14="http://schemas.microsoft.com/office/powerpoint/2010/main" val="3703816206"/>
+        <p14:creationId xmlns:p14="http://schemas.microsoft.com/office/powerpoint/2010/main" val="2291977476"/>
       </p:ext>
     </p:extLst>
   </p:cSld>
@@ -25352,10 +26614,10 @@
       </p:sp>
       <p:pic>
         <p:nvPicPr>
-          <p:cNvPr id="1026" name="Picture 2" descr="Drifters Central - Drifters Baseball">
-            <a:extLst>
-              <a:ext uri="{FF2B5EF4-FFF2-40B4-BE49-F238E27FC236}">
-                <a16:creationId xmlns:a16="http://schemas.microsoft.com/office/drawing/2014/main" id="{71DE0A74-EC67-5648-CC1C-502F504CE6B6}"/>
+          <p:cNvPr id="1026" name="Picture 2" descr="Victoria HarbourCats - Teams">
+            <a:extLst>
+              <a:ext uri="{FF2B5EF4-FFF2-40B4-BE49-F238E27FC236}">
+                <a16:creationId xmlns:a16="http://schemas.microsoft.com/office/drawing/2014/main" id="{E2F00836-6828-5E61-D3DE-1B13DAC4C3A0}"/>
               </a:ext>
             </a:extLst>
           </p:cNvPr>
@@ -25365,7 +26627,7 @@
           <p:nvPr/>
         </p:nvPicPr>
         <p:blipFill>
-          <a:blip r:embed="rId3" cstate="print">
+          <a:blip r:embed="rId3">
             <a:extLst>
               <a:ext uri="{28A0092B-C50C-407E-A947-70E740481C1C}">
                 <a14:useLocalDpi xmlns:a14="http://schemas.microsoft.com/office/drawing/2010/main" val="0"/>
@@ -25379,8 +26641,8 @@
         </p:blipFill>
         <p:spPr bwMode="auto">
           <a:xfrm>
-            <a:off x="4383351" y="1370752"/>
-            <a:ext cx="832551" cy="654255"/>
+            <a:off x="4363102" y="1157826"/>
+            <a:ext cx="874996" cy="874996"/>
           </a:xfrm>
           <a:prstGeom prst="rect">
             <a:avLst/>
@@ -25400,7 +26662,7 @@
     </p:spTree>
     <p:extLst>
       <p:ext uri="{BB962C8B-B14F-4D97-AF65-F5344CB8AC3E}">
-        <p14:creationId xmlns:p14="http://schemas.microsoft.com/office/powerpoint/2010/main" val="2048604960"/>
+        <p14:creationId xmlns:p14="http://schemas.microsoft.com/office/powerpoint/2010/main" val="869656288"/>
       </p:ext>
     </p:extLst>
   </p:cSld>
@@ -25982,10 +27244,10 @@
       </p:sp>
       <p:pic>
         <p:nvPicPr>
-          <p:cNvPr id="1026" name="Picture 2" descr="Drifters Central - Drifters Baseball">
-            <a:extLst>
-              <a:ext uri="{FF2B5EF4-FFF2-40B4-BE49-F238E27FC236}">
-                <a16:creationId xmlns:a16="http://schemas.microsoft.com/office/drawing/2014/main" id="{71DE0A74-EC67-5648-CC1C-502F504CE6B6}"/>
+          <p:cNvPr id="1026" name="Picture 2" descr="Victoria HarbourCats - Teams">
+            <a:extLst>
+              <a:ext uri="{FF2B5EF4-FFF2-40B4-BE49-F238E27FC236}">
+                <a16:creationId xmlns:a16="http://schemas.microsoft.com/office/drawing/2014/main" id="{E2F00836-6828-5E61-D3DE-1B13DAC4C3A0}"/>
               </a:ext>
             </a:extLst>
           </p:cNvPr>
@@ -25995,7 +27257,7 @@
           <p:nvPr/>
         </p:nvPicPr>
         <p:blipFill>
-          <a:blip r:embed="rId3" cstate="print">
+          <a:blip r:embed="rId3">
             <a:extLst>
               <a:ext uri="{28A0092B-C50C-407E-A947-70E740481C1C}">
                 <a14:useLocalDpi xmlns:a14="http://schemas.microsoft.com/office/drawing/2010/main" val="0"/>
@@ -26009,8 +27271,8 @@
         </p:blipFill>
         <p:spPr bwMode="auto">
           <a:xfrm>
-            <a:off x="4383351" y="1370752"/>
-            <a:ext cx="832551" cy="654255"/>
+            <a:off x="4363102" y="1157826"/>
+            <a:ext cx="874996" cy="874996"/>
           </a:xfrm>
           <a:prstGeom prst="rect">
             <a:avLst/>
@@ -26030,7 +27292,7 @@
     </p:spTree>
     <p:extLst>
       <p:ext uri="{BB962C8B-B14F-4D97-AF65-F5344CB8AC3E}">
-        <p14:creationId xmlns:p14="http://schemas.microsoft.com/office/powerpoint/2010/main" val="4117602827"/>
+        <p14:creationId xmlns:p14="http://schemas.microsoft.com/office/powerpoint/2010/main" val="651244921"/>
       </p:ext>
     </p:extLst>
   </p:cSld>
